--- a/Пітч гри.pptx
+++ b/Пітч гри.pptx
@@ -6,18 +6,21 @@
   </p:sldMasterIdLst>
   <p:sldIdLst>
     <p:sldId id="256" r:id="rId2"/>
-    <p:sldId id="257" r:id="rId3"/>
-    <p:sldId id="258" r:id="rId4"/>
-    <p:sldId id="259" r:id="rId5"/>
-    <p:sldId id="260" r:id="rId6"/>
-    <p:sldId id="261" r:id="rId7"/>
-    <p:sldId id="262" r:id="rId8"/>
-    <p:sldId id="263" r:id="rId9"/>
-    <p:sldId id="264" r:id="rId10"/>
-    <p:sldId id="265" r:id="rId11"/>
-    <p:sldId id="266" r:id="rId12"/>
-    <p:sldId id="267" r:id="rId13"/>
-    <p:sldId id="268" r:id="rId14"/>
+    <p:sldId id="270" r:id="rId3"/>
+    <p:sldId id="257" r:id="rId4"/>
+    <p:sldId id="258" r:id="rId5"/>
+    <p:sldId id="261" r:id="rId6"/>
+    <p:sldId id="262" r:id="rId7"/>
+    <p:sldId id="263" r:id="rId8"/>
+    <p:sldId id="264" r:id="rId9"/>
+    <p:sldId id="266" r:id="rId10"/>
+    <p:sldId id="271" r:id="rId11"/>
+    <p:sldId id="260" r:id="rId12"/>
+    <p:sldId id="259" r:id="rId13"/>
+    <p:sldId id="269" r:id="rId14"/>
+    <p:sldId id="265" r:id="rId15"/>
+    <p:sldId id="267" r:id="rId16"/>
+    <p:sldId id="268" r:id="rId17"/>
   </p:sldIdLst>
   <p:sldSz cx="12192000" cy="6858000"/>
   <p:notesSz cx="6858000" cy="9144000"/>
@@ -116,6 +119,11 @@
       </a:defRPr>
     </a:lvl9pPr>
   </p:defaultTextStyle>
+  <p:extLst>
+    <p:ext uri="{EFAFB233-063F-42B5-8137-9DF3F51BA10A}">
+      <p15:sldGuideLst xmlns:p15="http://schemas.microsoft.com/office/powerpoint/2012/main"/>
+    </p:ext>
+  </p:extLst>
 </p:presentation>
 </file>
 
@@ -163,7 +171,7 @@
           </a:lstStyle>
           <a:p>
             <a:r>
-              <a:rPr lang="en-US" smtClean="0"/>
+              <a:rPr lang="en-US"/>
               <a:t>Click to edit Master title style</a:t>
             </a:r>
             <a:endParaRPr lang="en-US" dirty="0"/>
@@ -234,7 +242,7 @@
           </a:lstStyle>
           <a:p>
             <a:r>
-              <a:rPr lang="en-US" smtClean="0"/>
+              <a:rPr lang="en-US"/>
               <a:t>Click to edit Master subtitle style</a:t>
             </a:r>
             <a:endParaRPr lang="en-US" dirty="0"/>
@@ -258,7 +266,7 @@
           <a:p>
             <a:fld id="{48A87A34-81AB-432B-8DAE-1953F412C126}" type="datetimeFigureOut">
               <a:rPr lang="en-US" dirty="0"/>
-              <a:t>10/17/2023</a:t>
+              <a:t>10/27/2023</a:t>
             </a:fld>
             <a:endParaRPr lang="en-US" dirty="0"/>
           </a:p>
@@ -310,7 +318,7 @@
           <a:p>
             <a:fld id="{6D22F896-40B5-4ADD-8801-0D06FADFA095}" type="slidenum">
               <a:rPr lang="en-US" dirty="0"/>
-              <a:t>‹#›</a:t>
+              <a:t>‹№›</a:t>
             </a:fld>
             <a:endParaRPr lang="en-US" dirty="0"/>
           </a:p>
@@ -388,7 +396,7 @@
           <a:lstStyle/>
           <a:p>
             <a:r>
-              <a:rPr lang="en-US" smtClean="0"/>
+              <a:rPr lang="en-US"/>
               <a:t>Click to edit Master title style</a:t>
             </a:r>
             <a:endParaRPr lang="en-US" dirty="0"/>
@@ -412,35 +420,35 @@
           <a:p>
             <a:pPr lvl="0"/>
             <a:r>
-              <a:rPr lang="en-US" smtClean="0"/>
+              <a:rPr lang="en-US"/>
               <a:t>Edit Master text styles</a:t>
             </a:r>
           </a:p>
           <a:p>
             <a:pPr lvl="1"/>
             <a:r>
-              <a:rPr lang="en-US" smtClean="0"/>
+              <a:rPr lang="en-US"/>
               <a:t>Second level</a:t>
             </a:r>
           </a:p>
           <a:p>
             <a:pPr lvl="2"/>
             <a:r>
-              <a:rPr lang="en-US" smtClean="0"/>
+              <a:rPr lang="en-US"/>
               <a:t>Third level</a:t>
             </a:r>
           </a:p>
           <a:p>
             <a:pPr lvl="3"/>
             <a:r>
-              <a:rPr lang="en-US" smtClean="0"/>
+              <a:rPr lang="en-US"/>
               <a:t>Fourth level</a:t>
             </a:r>
           </a:p>
           <a:p>
             <a:pPr lvl="4"/>
             <a:r>
-              <a:rPr lang="en-US" smtClean="0"/>
+              <a:rPr lang="en-US"/>
               <a:t>Fifth level</a:t>
             </a:r>
             <a:endParaRPr lang="en-US" dirty="0"/>
@@ -464,7 +472,7 @@
           <a:p>
             <a:fld id="{48A87A34-81AB-432B-8DAE-1953F412C126}" type="datetimeFigureOut">
               <a:rPr lang="en-US" dirty="0"/>
-              <a:t>10/17/2023</a:t>
+              <a:t>10/27/2023</a:t>
             </a:fld>
             <a:endParaRPr lang="en-US" dirty="0"/>
           </a:p>
@@ -506,7 +514,7 @@
           <a:p>
             <a:fld id="{6D22F896-40B5-4ADD-8801-0D06FADFA095}" type="slidenum">
               <a:rPr lang="en-US" dirty="0"/>
-              <a:t>‹#›</a:t>
+              <a:t>‹№›</a:t>
             </a:fld>
             <a:endParaRPr lang="en-US" dirty="0"/>
           </a:p>
@@ -593,7 +601,7 @@
           </a:lstStyle>
           <a:p>
             <a:r>
-              <a:rPr lang="en-US" smtClean="0"/>
+              <a:rPr lang="en-US"/>
               <a:t>Click to edit Master title style</a:t>
             </a:r>
             <a:endParaRPr lang="en-US" dirty="0"/>
@@ -622,35 +630,35 @@
           <a:p>
             <a:pPr lvl="0"/>
             <a:r>
-              <a:rPr lang="en-US" smtClean="0"/>
+              <a:rPr lang="en-US"/>
               <a:t>Edit Master text styles</a:t>
             </a:r>
           </a:p>
           <a:p>
             <a:pPr lvl="1"/>
             <a:r>
-              <a:rPr lang="en-US" smtClean="0"/>
+              <a:rPr lang="en-US"/>
               <a:t>Second level</a:t>
             </a:r>
           </a:p>
           <a:p>
             <a:pPr lvl="2"/>
             <a:r>
-              <a:rPr lang="en-US" smtClean="0"/>
+              <a:rPr lang="en-US"/>
               <a:t>Third level</a:t>
             </a:r>
           </a:p>
           <a:p>
             <a:pPr lvl="3"/>
             <a:r>
-              <a:rPr lang="en-US" smtClean="0"/>
+              <a:rPr lang="en-US"/>
               <a:t>Fourth level</a:t>
             </a:r>
           </a:p>
           <a:p>
             <a:pPr lvl="4"/>
             <a:r>
-              <a:rPr lang="en-US" smtClean="0"/>
+              <a:rPr lang="en-US"/>
               <a:t>Fifth level</a:t>
             </a:r>
             <a:endParaRPr lang="en-US" dirty="0"/>
@@ -674,7 +682,7 @@
           <a:p>
             <a:fld id="{48A87A34-81AB-432B-8DAE-1953F412C126}" type="datetimeFigureOut">
               <a:rPr lang="en-US" dirty="0"/>
-              <a:t>10/17/2023</a:t>
+              <a:t>10/27/2023</a:t>
             </a:fld>
             <a:endParaRPr lang="en-US" dirty="0"/>
           </a:p>
@@ -716,7 +724,7 @@
           <a:p>
             <a:fld id="{6D22F896-40B5-4ADD-8801-0D06FADFA095}" type="slidenum">
               <a:rPr lang="en-US" dirty="0"/>
-              <a:t>‹#›</a:t>
+              <a:t>‹№›</a:t>
             </a:fld>
             <a:endParaRPr lang="en-US" dirty="0"/>
           </a:p>
@@ -794,7 +802,7 @@
           <a:lstStyle/>
           <a:p>
             <a:r>
-              <a:rPr lang="en-US" smtClean="0"/>
+              <a:rPr lang="en-US"/>
               <a:t>Click to edit Master title style</a:t>
             </a:r>
             <a:endParaRPr lang="en-US" dirty="0"/>
@@ -818,35 +826,35 @@
           <a:p>
             <a:pPr lvl="0"/>
             <a:r>
-              <a:rPr lang="en-US" smtClean="0"/>
+              <a:rPr lang="en-US"/>
               <a:t>Edit Master text styles</a:t>
             </a:r>
           </a:p>
           <a:p>
             <a:pPr lvl="1"/>
             <a:r>
-              <a:rPr lang="en-US" smtClean="0"/>
+              <a:rPr lang="en-US"/>
               <a:t>Second level</a:t>
             </a:r>
           </a:p>
           <a:p>
             <a:pPr lvl="2"/>
             <a:r>
-              <a:rPr lang="en-US" smtClean="0"/>
+              <a:rPr lang="en-US"/>
               <a:t>Third level</a:t>
             </a:r>
           </a:p>
           <a:p>
             <a:pPr lvl="3"/>
             <a:r>
-              <a:rPr lang="en-US" smtClean="0"/>
+              <a:rPr lang="en-US"/>
               <a:t>Fourth level</a:t>
             </a:r>
           </a:p>
           <a:p>
             <a:pPr lvl="4"/>
             <a:r>
-              <a:rPr lang="en-US" smtClean="0"/>
+              <a:rPr lang="en-US"/>
               <a:t>Fifth level</a:t>
             </a:r>
             <a:endParaRPr lang="en-US" dirty="0"/>
@@ -870,7 +878,7 @@
           <a:p>
             <a:fld id="{48A87A34-81AB-432B-8DAE-1953F412C126}" type="datetimeFigureOut">
               <a:rPr lang="en-US" dirty="0"/>
-              <a:t>10/17/2023</a:t>
+              <a:t>10/27/2023</a:t>
             </a:fld>
             <a:endParaRPr lang="en-US" dirty="0"/>
           </a:p>
@@ -912,7 +920,7 @@
           <a:p>
             <a:fld id="{6D22F896-40B5-4ADD-8801-0D06FADFA095}" type="slidenum">
               <a:rPr lang="en-US" dirty="0"/>
-              <a:t>‹#›</a:t>
+              <a:t>‹№›</a:t>
             </a:fld>
             <a:endParaRPr lang="en-US" dirty="0"/>
           </a:p>
@@ -1001,7 +1009,7 @@
           </a:lstStyle>
           <a:p>
             <a:r>
-              <a:rPr lang="en-US" smtClean="0"/>
+              <a:rPr lang="en-US"/>
               <a:t>Click to edit Master title style</a:t>
             </a:r>
             <a:endParaRPr lang="en-US" dirty="0"/>
@@ -1121,7 +1129,7 @@
           <a:p>
             <a:pPr lvl="0"/>
             <a:r>
-              <a:rPr lang="en-US" smtClean="0"/>
+              <a:rPr lang="en-US"/>
               <a:t>Edit Master text styles</a:t>
             </a:r>
           </a:p>
@@ -1144,7 +1152,7 @@
           <a:p>
             <a:fld id="{48A87A34-81AB-432B-8DAE-1953F412C126}" type="datetimeFigureOut">
               <a:rPr lang="en-US" dirty="0"/>
-              <a:t>10/17/2023</a:t>
+              <a:t>10/27/2023</a:t>
             </a:fld>
             <a:endParaRPr lang="en-US" dirty="0"/>
           </a:p>
@@ -1186,7 +1194,7 @@
           <a:p>
             <a:fld id="{6D22F896-40B5-4ADD-8801-0D06FADFA095}" type="slidenum">
               <a:rPr lang="en-US" dirty="0"/>
-              <a:t>‹#›</a:t>
+              <a:t>‹№›</a:t>
             </a:fld>
             <a:endParaRPr lang="en-US" dirty="0"/>
           </a:p>
@@ -1269,7 +1277,7 @@
           <a:lstStyle/>
           <a:p>
             <a:r>
-              <a:rPr lang="en-US" smtClean="0"/>
+              <a:rPr lang="en-US"/>
               <a:t>Click to edit Master title style</a:t>
             </a:r>
             <a:endParaRPr lang="en-US" dirty="0"/>
@@ -1298,35 +1306,35 @@
           <a:p>
             <a:pPr lvl="0"/>
             <a:r>
-              <a:rPr lang="en-US" smtClean="0"/>
+              <a:rPr lang="en-US"/>
               <a:t>Edit Master text styles</a:t>
             </a:r>
           </a:p>
           <a:p>
             <a:pPr lvl="1"/>
             <a:r>
-              <a:rPr lang="en-US" smtClean="0"/>
+              <a:rPr lang="en-US"/>
               <a:t>Second level</a:t>
             </a:r>
           </a:p>
           <a:p>
             <a:pPr lvl="2"/>
             <a:r>
-              <a:rPr lang="en-US" smtClean="0"/>
+              <a:rPr lang="en-US"/>
               <a:t>Third level</a:t>
             </a:r>
           </a:p>
           <a:p>
             <a:pPr lvl="3"/>
             <a:r>
-              <a:rPr lang="en-US" smtClean="0"/>
+              <a:rPr lang="en-US"/>
               <a:t>Fourth level</a:t>
             </a:r>
           </a:p>
           <a:p>
             <a:pPr lvl="4"/>
             <a:r>
-              <a:rPr lang="en-US" smtClean="0"/>
+              <a:rPr lang="en-US"/>
               <a:t>Fifth level</a:t>
             </a:r>
             <a:endParaRPr lang="en-US" dirty="0"/>
@@ -1355,35 +1363,35 @@
           <a:p>
             <a:pPr lvl="0"/>
             <a:r>
-              <a:rPr lang="en-US" smtClean="0"/>
+              <a:rPr lang="en-US"/>
               <a:t>Edit Master text styles</a:t>
             </a:r>
           </a:p>
           <a:p>
             <a:pPr lvl="1"/>
             <a:r>
-              <a:rPr lang="en-US" smtClean="0"/>
+              <a:rPr lang="en-US"/>
               <a:t>Second level</a:t>
             </a:r>
           </a:p>
           <a:p>
             <a:pPr lvl="2"/>
             <a:r>
-              <a:rPr lang="en-US" smtClean="0"/>
+              <a:rPr lang="en-US"/>
               <a:t>Third level</a:t>
             </a:r>
           </a:p>
           <a:p>
             <a:pPr lvl="3"/>
             <a:r>
-              <a:rPr lang="en-US" smtClean="0"/>
+              <a:rPr lang="en-US"/>
               <a:t>Fourth level</a:t>
             </a:r>
           </a:p>
           <a:p>
             <a:pPr lvl="4"/>
             <a:r>
-              <a:rPr lang="en-US" smtClean="0"/>
+              <a:rPr lang="en-US"/>
               <a:t>Fifth level</a:t>
             </a:r>
             <a:endParaRPr lang="en-US" dirty="0"/>
@@ -1407,7 +1415,7 @@
           <a:p>
             <a:fld id="{48A87A34-81AB-432B-8DAE-1953F412C126}" type="datetimeFigureOut">
               <a:rPr lang="en-US" dirty="0"/>
-              <a:t>10/17/2023</a:t>
+              <a:t>10/27/2023</a:t>
             </a:fld>
             <a:endParaRPr lang="en-US" dirty="0"/>
           </a:p>
@@ -1449,7 +1457,7 @@
           <a:p>
             <a:fld id="{6D22F896-40B5-4ADD-8801-0D06FADFA095}" type="slidenum">
               <a:rPr lang="en-US" dirty="0"/>
-              <a:t>‹#›</a:t>
+              <a:t>‹№›</a:t>
             </a:fld>
             <a:endParaRPr lang="en-US" dirty="0"/>
           </a:p>
@@ -1532,7 +1540,7 @@
           <a:lstStyle/>
           <a:p>
             <a:r>
-              <a:rPr lang="en-US" smtClean="0"/>
+              <a:rPr lang="en-US"/>
               <a:t>Click to edit Master title style</a:t>
             </a:r>
             <a:endParaRPr lang="en-US" dirty="0"/>
@@ -1607,7 +1615,7 @@
           <a:p>
             <a:pPr lvl="0"/>
             <a:r>
-              <a:rPr lang="en-US" smtClean="0"/>
+              <a:rPr lang="en-US"/>
               <a:t>Edit Master text styles</a:t>
             </a:r>
           </a:p>
@@ -1635,35 +1643,35 @@
           <a:p>
             <a:pPr lvl="0"/>
             <a:r>
-              <a:rPr lang="en-US" smtClean="0"/>
+              <a:rPr lang="en-US"/>
               <a:t>Edit Master text styles</a:t>
             </a:r>
           </a:p>
           <a:p>
             <a:pPr lvl="1"/>
             <a:r>
-              <a:rPr lang="en-US" smtClean="0"/>
+              <a:rPr lang="en-US"/>
               <a:t>Second level</a:t>
             </a:r>
           </a:p>
           <a:p>
             <a:pPr lvl="2"/>
             <a:r>
-              <a:rPr lang="en-US" smtClean="0"/>
+              <a:rPr lang="en-US"/>
               <a:t>Third level</a:t>
             </a:r>
           </a:p>
           <a:p>
             <a:pPr lvl="3"/>
             <a:r>
-              <a:rPr lang="en-US" smtClean="0"/>
+              <a:rPr lang="en-US"/>
               <a:t>Fourth level</a:t>
             </a:r>
           </a:p>
           <a:p>
             <a:pPr lvl="4"/>
             <a:r>
-              <a:rPr lang="en-US" smtClean="0"/>
+              <a:rPr lang="en-US"/>
               <a:t>Fifth level</a:t>
             </a:r>
             <a:endParaRPr lang="en-US" dirty="0"/>
@@ -1738,7 +1746,7 @@
           <a:p>
             <a:pPr lvl="0"/>
             <a:r>
-              <a:rPr lang="en-US" smtClean="0"/>
+              <a:rPr lang="en-US"/>
               <a:t>Edit Master text styles</a:t>
             </a:r>
           </a:p>
@@ -1766,35 +1774,35 @@
           <a:p>
             <a:pPr lvl="0"/>
             <a:r>
-              <a:rPr lang="en-US" smtClean="0"/>
+              <a:rPr lang="en-US"/>
               <a:t>Edit Master text styles</a:t>
             </a:r>
           </a:p>
           <a:p>
             <a:pPr lvl="1"/>
             <a:r>
-              <a:rPr lang="en-US" smtClean="0"/>
+              <a:rPr lang="en-US"/>
               <a:t>Second level</a:t>
             </a:r>
           </a:p>
           <a:p>
             <a:pPr lvl="2"/>
             <a:r>
-              <a:rPr lang="en-US" smtClean="0"/>
+              <a:rPr lang="en-US"/>
               <a:t>Third level</a:t>
             </a:r>
           </a:p>
           <a:p>
             <a:pPr lvl="3"/>
             <a:r>
-              <a:rPr lang="en-US" smtClean="0"/>
+              <a:rPr lang="en-US"/>
               <a:t>Fourth level</a:t>
             </a:r>
           </a:p>
           <a:p>
             <a:pPr lvl="4"/>
             <a:r>
-              <a:rPr lang="en-US" smtClean="0"/>
+              <a:rPr lang="en-US"/>
               <a:t>Fifth level</a:t>
             </a:r>
             <a:endParaRPr lang="en-US" dirty="0"/>
@@ -1818,7 +1826,7 @@
           <a:p>
             <a:fld id="{48A87A34-81AB-432B-8DAE-1953F412C126}" type="datetimeFigureOut">
               <a:rPr lang="en-US" dirty="0"/>
-              <a:t>10/17/2023</a:t>
+              <a:t>10/27/2023</a:t>
             </a:fld>
             <a:endParaRPr lang="en-US" dirty="0"/>
           </a:p>
@@ -1860,7 +1868,7 @@
           <a:p>
             <a:fld id="{6D22F896-40B5-4ADD-8801-0D06FADFA095}" type="slidenum">
               <a:rPr lang="en-US" dirty="0"/>
-              <a:t>‹#›</a:t>
+              <a:t>‹№›</a:t>
             </a:fld>
             <a:endParaRPr lang="en-US" dirty="0"/>
           </a:p>
@@ -1938,7 +1946,7 @@
           <a:lstStyle/>
           <a:p>
             <a:r>
-              <a:rPr lang="en-US" smtClean="0"/>
+              <a:rPr lang="en-US"/>
               <a:t>Click to edit Master title style</a:t>
             </a:r>
             <a:endParaRPr lang="en-US" dirty="0"/>
@@ -1962,7 +1970,7 @@
           <a:p>
             <a:fld id="{48A87A34-81AB-432B-8DAE-1953F412C126}" type="datetimeFigureOut">
               <a:rPr lang="en-US" dirty="0"/>
-              <a:t>10/17/2023</a:t>
+              <a:t>10/27/2023</a:t>
             </a:fld>
             <a:endParaRPr lang="en-US" dirty="0"/>
           </a:p>
@@ -2004,7 +2012,7 @@
           <a:p>
             <a:fld id="{6D22F896-40B5-4ADD-8801-0D06FADFA095}" type="slidenum">
               <a:rPr lang="en-US" dirty="0"/>
-              <a:t>‹#›</a:t>
+              <a:t>‹№›</a:t>
             </a:fld>
             <a:endParaRPr lang="en-US" dirty="0"/>
           </a:p>
@@ -2083,7 +2091,7 @@
           <a:p>
             <a:fld id="{48A87A34-81AB-432B-8DAE-1953F412C126}" type="datetimeFigureOut">
               <a:rPr lang="en-US" dirty="0"/>
-              <a:t>10/17/2023</a:t>
+              <a:t>10/27/2023</a:t>
             </a:fld>
             <a:endParaRPr lang="en-US" dirty="0"/>
           </a:p>
@@ -2125,7 +2133,7 @@
           <a:p>
             <a:fld id="{6D22F896-40B5-4ADD-8801-0D06FADFA095}" type="slidenum">
               <a:rPr lang="en-US" dirty="0"/>
-              <a:t>‹#›</a:t>
+              <a:t>‹№›</a:t>
             </a:fld>
             <a:endParaRPr lang="en-US" dirty="0"/>
           </a:p>
@@ -2183,7 +2191,7 @@
           </a:lstStyle>
           <a:p>
             <a:r>
-              <a:rPr lang="en-US" smtClean="0"/>
+              <a:rPr lang="en-US"/>
               <a:t>Click to edit Master title style</a:t>
             </a:r>
             <a:endParaRPr lang="en-US" dirty="0"/>
@@ -2212,35 +2220,35 @@
           <a:p>
             <a:pPr lvl="0"/>
             <a:r>
-              <a:rPr lang="en-US" smtClean="0"/>
+              <a:rPr lang="en-US"/>
               <a:t>Edit Master text styles</a:t>
             </a:r>
           </a:p>
           <a:p>
             <a:pPr lvl="1"/>
             <a:r>
-              <a:rPr lang="en-US" smtClean="0"/>
+              <a:rPr lang="en-US"/>
               <a:t>Second level</a:t>
             </a:r>
           </a:p>
           <a:p>
             <a:pPr lvl="2"/>
             <a:r>
-              <a:rPr lang="en-US" smtClean="0"/>
+              <a:rPr lang="en-US"/>
               <a:t>Third level</a:t>
             </a:r>
           </a:p>
           <a:p>
             <a:pPr lvl="3"/>
             <a:r>
-              <a:rPr lang="en-US" smtClean="0"/>
+              <a:rPr lang="en-US"/>
               <a:t>Fourth level</a:t>
             </a:r>
           </a:p>
           <a:p>
             <a:pPr lvl="4"/>
             <a:r>
-              <a:rPr lang="en-US" smtClean="0"/>
+              <a:rPr lang="en-US"/>
               <a:t>Fifth level</a:t>
             </a:r>
             <a:endParaRPr lang="en-US" dirty="0"/>
@@ -2306,7 +2314,7 @@
           <a:p>
             <a:pPr lvl="0"/>
             <a:r>
-              <a:rPr lang="en-US" smtClean="0"/>
+              <a:rPr lang="en-US"/>
               <a:t>Edit Master text styles</a:t>
             </a:r>
           </a:p>
@@ -2329,7 +2337,7 @@
           <a:p>
             <a:fld id="{48A87A34-81AB-432B-8DAE-1953F412C126}" type="datetimeFigureOut">
               <a:rPr lang="en-US" dirty="0"/>
-              <a:t>10/17/2023</a:t>
+              <a:t>10/27/2023</a:t>
             </a:fld>
             <a:endParaRPr lang="en-US" dirty="0"/>
           </a:p>
@@ -2371,7 +2379,7 @@
           <a:p>
             <a:fld id="{6D22F896-40B5-4ADD-8801-0D06FADFA095}" type="slidenum">
               <a:rPr lang="en-US" dirty="0"/>
-              <a:t>‹#›</a:t>
+              <a:t>‹№›</a:t>
             </a:fld>
             <a:endParaRPr lang="en-US" dirty="0"/>
           </a:p>
@@ -2594,7 +2602,7 @@
           </a:lstStyle>
           <a:p>
             <a:r>
-              <a:rPr lang="en-US" smtClean="0"/>
+              <a:rPr lang="en-US"/>
               <a:t>Click to edit Master title style</a:t>
             </a:r>
             <a:endParaRPr lang="en-US" dirty="0"/>
@@ -2669,7 +2677,7 @@
           </a:lstStyle>
           <a:p>
             <a:r>
-              <a:rPr lang="en-US" smtClean="0"/>
+              <a:rPr lang="en-US"/>
               <a:t>Click icon to add picture</a:t>
             </a:r>
             <a:endParaRPr lang="en-US" dirty="0"/>
@@ -2737,7 +2745,7 @@
           <a:p>
             <a:pPr lvl="0"/>
             <a:r>
-              <a:rPr lang="en-US" smtClean="0"/>
+              <a:rPr lang="en-US"/>
               <a:t>Edit Master text styles</a:t>
             </a:r>
           </a:p>
@@ -2770,7 +2778,7 @@
             <a:fld id="{48A87A34-81AB-432B-8DAE-1953F412C126}" type="datetimeFigureOut">
               <a:rPr lang="en-US" dirty="0"/>
               <a:pPr/>
-              <a:t>10/17/2023</a:t>
+              <a:t>10/27/2023</a:t>
             </a:fld>
             <a:endParaRPr lang="en-US" dirty="0"/>
           </a:p>
@@ -2817,7 +2825,7 @@
           <a:p>
             <a:fld id="{6D22F896-40B5-4ADD-8801-0D06FADFA095}" type="slidenum">
               <a:rPr lang="en-US" dirty="0"/>
-              <a:t>‹#›</a:t>
+              <a:t>‹№›</a:t>
             </a:fld>
             <a:endParaRPr lang="en-US" dirty="0"/>
           </a:p>
@@ -2988,7 +2996,7 @@
           <a:lstStyle/>
           <a:p>
             <a:r>
-              <a:rPr lang="en-US" smtClean="0"/>
+              <a:rPr lang="en-US"/>
               <a:t>Click to edit Master title style</a:t>
             </a:r>
             <a:endParaRPr lang="en-US" dirty="0"/>
@@ -3092,7 +3100,7 @@
             <a:fld id="{48A87A34-81AB-432B-8DAE-1953F412C126}" type="datetimeFigureOut">
               <a:rPr lang="en-US" dirty="0"/>
               <a:pPr/>
-              <a:t>10/17/2023</a:t>
+              <a:t>10/27/2023</a:t>
             </a:fld>
             <a:endParaRPr lang="en-US" dirty="0"/>
           </a:p>
@@ -3169,7 +3177,7 @@
             <a:fld id="{6D22F896-40B5-4ADD-8801-0D06FADFA095}" type="slidenum">
               <a:rPr lang="en-US" dirty="0"/>
               <a:pPr/>
-              <a:t>‹#›</a:t>
+              <a:t>‹№›</a:t>
             </a:fld>
             <a:endParaRPr lang="en-US" dirty="0"/>
           </a:p>
@@ -3590,18 +3598,17 @@
           <a:lstStyle/>
           <a:p>
             <a:r>
-              <a:rPr lang="uk-UA" dirty="0" err="1" smtClean="0"/>
+              <a:rPr lang="uk-UA" dirty="0" err="1"/>
               <a:t>Пітч</a:t>
             </a:r>
             <a:r>
-              <a:rPr lang="uk-UA" dirty="0" smtClean="0"/>
+              <a:rPr lang="uk-UA" dirty="0"/>
               <a:t> гри </a:t>
             </a:r>
             <a:r>
-              <a:rPr lang="en-US" dirty="0" smtClean="0"/>
+              <a:rPr lang="en-US" dirty="0"/>
               <a:t>“Alone with fear”</a:t>
             </a:r>
-            <a:endParaRPr lang="en-US" dirty="0"/>
           </a:p>
         </p:txBody>
       </p:sp>
@@ -3621,11 +3628,11 @@
           <a:lstStyle/>
           <a:p>
             <a:r>
-              <a:rPr lang="uk-UA" dirty="0" err="1" smtClean="0"/>
+              <a:rPr lang="uk-UA" dirty="0" err="1"/>
               <a:t>Жданюк</a:t>
             </a:r>
             <a:r>
-              <a:rPr lang="uk-UA" dirty="0" smtClean="0"/>
+              <a:rPr lang="uk-UA" dirty="0"/>
               <a:t> </a:t>
             </a:r>
             <a:r>
@@ -3645,15 +3652,15 @@
               <a:t> </a:t>
             </a:r>
             <a:r>
-              <a:rPr lang="uk-UA" dirty="0" err="1" smtClean="0"/>
+              <a:rPr lang="uk-UA" dirty="0" err="1"/>
               <a:t>олександр</a:t>
             </a:r>
             <a:r>
-              <a:rPr lang="uk-UA" dirty="0" smtClean="0"/>
+              <a:rPr lang="uk-UA" dirty="0"/>
               <a:t>, </a:t>
             </a:r>
             <a:r>
-              <a:rPr lang="uk-UA" smtClean="0"/>
+              <a:rPr lang="uk-UA"/>
               <a:t>Баковецький Максим</a:t>
             </a:r>
             <a:endParaRPr lang="en-US" dirty="0"/>
@@ -3692,7 +3699,13 @@
       </p:grpSpPr>
       <p:sp>
         <p:nvSpPr>
-          <p:cNvPr id="2" name="Title 1"/>
+          <p:cNvPr id="2" name="Заголовок 1">
+            <a:extLst>
+              <a:ext uri="{FF2B5EF4-FFF2-40B4-BE49-F238E27FC236}">
+                <a16:creationId xmlns:a16="http://schemas.microsoft.com/office/drawing/2014/main" id="{BC52AC70-D803-4676-AAB5-B90EA01554DA}"/>
+              </a:ext>
+            </a:extLst>
+          </p:cNvPr>
           <p:cNvSpPr>
             <a:spLocks noGrp="1"/>
           </p:cNvSpPr>
@@ -3706,83 +3719,46 @@
           <a:lstStyle/>
           <a:p>
             <a:r>
-              <a:rPr lang="uk-UA" dirty="0" smtClean="0"/>
-              <a:t>Унікальні особливості гри</a:t>
-            </a:r>
-            <a:endParaRPr lang="en-US" dirty="0"/>
-          </a:p>
-        </p:txBody>
-      </p:sp>
-      <p:sp>
-        <p:nvSpPr>
-          <p:cNvPr id="3" name="Content Placeholder 2"/>
-          <p:cNvSpPr>
-            <a:spLocks noGrp="1"/>
-          </p:cNvSpPr>
-          <p:nvPr>
-            <p:ph idx="1"/>
-          </p:nvPr>
-        </p:nvSpPr>
-        <p:spPr/>
-        <p:txBody>
-          <a:bodyPr>
-            <a:normAutofit/>
-          </a:bodyPr>
-          <a:lstStyle/>
-          <a:p>
-            <a:pPr marL="0" indent="0">
-              <a:buNone/>
-            </a:pPr>
-            <a:r>
-              <a:rPr lang="uk-UA" dirty="0" smtClean="0"/>
-              <a:t>Серед унікальних особливостей гри можна виділити велику варіативність в </a:t>
-            </a:r>
-            <a:r>
-              <a:rPr lang="uk-UA" dirty="0" err="1" smtClean="0"/>
-              <a:t>проходжені</a:t>
-            </a:r>
-            <a:r>
-              <a:rPr lang="uk-UA" dirty="0" smtClean="0"/>
-              <a:t> головоломок. Під варіативністю, мається на увазі їх різні типи, наприклад</a:t>
-            </a:r>
-            <a:r>
-              <a:rPr lang="en-US" dirty="0" smtClean="0"/>
-              <a:t>: </a:t>
-            </a:r>
-          </a:p>
-          <a:p>
-            <a:r>
-              <a:rPr lang="uk-UA" dirty="0" smtClean="0"/>
-              <a:t>Логічні головоломки</a:t>
-            </a:r>
-          </a:p>
-          <a:p>
-            <a:r>
-              <a:rPr lang="uk-UA" dirty="0" smtClean="0"/>
-              <a:t>Головоломки на використання предметів</a:t>
-            </a:r>
-          </a:p>
-          <a:p>
-            <a:r>
-              <a:rPr lang="uk-UA" dirty="0" smtClean="0"/>
-              <a:t>Головоломки з числами та математичні завдання</a:t>
-            </a:r>
-          </a:p>
-          <a:p>
-            <a:pPr marL="0" indent="0">
-              <a:buNone/>
-            </a:pPr>
-            <a:r>
-              <a:rPr lang="uk-UA" dirty="0" smtClean="0"/>
-              <a:t>Варто зазначити, що від проходження різних головоломок кінцівка гри може змінюватися.</a:t>
-            </a:r>
-          </a:p>
-        </p:txBody>
-      </p:sp>
+              <a:rPr lang="uk-UA" dirty="0"/>
+              <a:t>Ігровий цикл</a:t>
+            </a:r>
+          </a:p>
+        </p:txBody>
+      </p:sp>
+      <p:pic>
+        <p:nvPicPr>
+          <p:cNvPr id="5" name="Рисунок 4">
+            <a:extLst>
+              <a:ext uri="{FF2B5EF4-FFF2-40B4-BE49-F238E27FC236}">
+                <a16:creationId xmlns:a16="http://schemas.microsoft.com/office/drawing/2014/main" id="{6B3E6672-7FA4-4ECB-A44B-C2E86D8F025C}"/>
+              </a:ext>
+            </a:extLst>
+          </p:cNvPr>
+          <p:cNvPicPr>
+            <a:picLocks noChangeAspect="1"/>
+          </p:cNvPicPr>
+          <p:nvPr/>
+        </p:nvPicPr>
+        <p:blipFill>
+          <a:blip r:embed="rId2"/>
+          <a:stretch>
+            <a:fillRect/>
+          </a:stretch>
+        </p:blipFill>
+        <p:spPr>
+          <a:xfrm>
+            <a:off x="3271606" y="1853754"/>
+            <a:ext cx="5524500" cy="4000500"/>
+          </a:xfrm>
+          <a:prstGeom prst="rect">
+            <a:avLst/>
+          </a:prstGeom>
+        </p:spPr>
+      </p:pic>
     </p:spTree>
     <p:extLst>
       <p:ext uri="{BB962C8B-B14F-4D97-AF65-F5344CB8AC3E}">
-        <p14:creationId xmlns:p14="http://schemas.microsoft.com/office/powerpoint/2010/main" val="3636901661"/>
+        <p14:creationId xmlns:p14="http://schemas.microsoft.com/office/powerpoint/2010/main" val="3211220907"/>
       </p:ext>
     </p:extLst>
   </p:cSld>
@@ -3824,9 +3800,10 @@
           <a:bodyPr/>
           <a:lstStyle/>
           <a:p>
-            <a:r>
-              <a:rPr lang="uk-UA" dirty="0" smtClean="0"/>
-              <a:t>Контент</a:t>
+            <a:pPr algn="ctr"/>
+            <a:r>
+              <a:rPr lang="uk-UA" dirty="0"/>
+              <a:t>Опис ігрових механік</a:t>
             </a:r>
             <a:endParaRPr lang="en-US" dirty="0"/>
           </a:p>
@@ -3844,57 +3821,65 @@
         </p:nvSpPr>
         <p:spPr/>
         <p:txBody>
-          <a:bodyPr/>
-          <a:lstStyle/>
-          <a:p>
-            <a:r>
-              <a:rPr lang="uk-UA" dirty="0" err="1" smtClean="0"/>
-              <a:t>Розв</a:t>
-            </a:r>
-            <a:r>
-              <a:rPr lang="en-US" dirty="0" smtClean="0"/>
-              <a:t>’</a:t>
-            </a:r>
-            <a:r>
-              <a:rPr lang="uk-UA" dirty="0" err="1" smtClean="0"/>
-              <a:t>язання</a:t>
-            </a:r>
-            <a:r>
-              <a:rPr lang="uk-UA" dirty="0" smtClean="0"/>
-              <a:t> головоломок</a:t>
-            </a:r>
-          </a:p>
-          <a:p>
-            <a:r>
-              <a:rPr lang="uk-UA" dirty="0" smtClean="0"/>
-              <a:t>Таємничий сюжет, який розкривається в ході проходження гри</a:t>
-            </a:r>
-          </a:p>
-          <a:p>
-            <a:r>
-              <a:rPr lang="uk-UA" dirty="0" smtClean="0"/>
-              <a:t>Битви з босами</a:t>
-            </a:r>
-          </a:p>
-          <a:p>
-            <a:r>
-              <a:rPr lang="uk-UA" dirty="0" smtClean="0"/>
-              <a:t>Уникання монстрів</a:t>
-            </a:r>
-          </a:p>
-          <a:p>
-            <a:r>
-              <a:rPr lang="uk-UA" dirty="0" smtClean="0"/>
-              <a:t>Рішення гравця, які впливають на кінцівку гри</a:t>
-            </a:r>
-            <a:endParaRPr lang="en-US" dirty="0"/>
+          <a:bodyPr>
+            <a:normAutofit lnSpcReduction="10000"/>
+          </a:bodyPr>
+          <a:lstStyle/>
+          <a:p>
+            <a:pPr marL="0" indent="0">
+              <a:buNone/>
+            </a:pPr>
+            <a:r>
+              <a:rPr lang="uk-UA" dirty="0"/>
+              <a:t>У грі присутні такі механіки</a:t>
+            </a:r>
+            <a:r>
+              <a:rPr lang="en-US" dirty="0"/>
+              <a:t>:</a:t>
+            </a:r>
+            <a:r>
+              <a:rPr lang="uk-UA" dirty="0"/>
+              <a:t> </a:t>
+            </a:r>
+          </a:p>
+          <a:p>
+            <a:r>
+              <a:rPr lang="uk-UA" dirty="0"/>
+              <a:t>Велика кількість різноманітних головоломок, можливість їх проходження декількома способами, які вплинуть на фінал гри. </a:t>
+            </a:r>
+          </a:p>
+          <a:p>
+            <a:r>
+              <a:rPr lang="uk-UA" dirty="0"/>
+              <a:t>Психіка яка погіршується при небезпечних чи неприємних моментах.</a:t>
+            </a:r>
+          </a:p>
+          <a:p>
+            <a:r>
+              <a:rPr lang="uk-UA" dirty="0"/>
+              <a:t>Можливість швидкого переміщення локаціями за допомогою </a:t>
+            </a:r>
+            <a:r>
+              <a:rPr lang="uk-UA" dirty="0" err="1"/>
+              <a:t>телепортації</a:t>
+            </a:r>
+            <a:r>
+              <a:rPr lang="uk-UA" dirty="0"/>
+              <a:t>.</a:t>
+            </a:r>
+          </a:p>
+          <a:p>
+            <a:r>
+              <a:rPr lang="uk-UA" dirty="0"/>
+              <a:t>Кожен розділ буде мати унікальну додаткову механіку, на якій зав’язане його проходження(наприклад можливість подивитись на локацію по іншому, щоб побачити прихований шлях)</a:t>
+            </a:r>
           </a:p>
         </p:txBody>
       </p:sp>
     </p:spTree>
     <p:extLst>
       <p:ext uri="{BB962C8B-B14F-4D97-AF65-F5344CB8AC3E}">
-        <p14:creationId xmlns:p14="http://schemas.microsoft.com/office/powerpoint/2010/main" val="91158260"/>
+        <p14:creationId xmlns:p14="http://schemas.microsoft.com/office/powerpoint/2010/main" val="1730321233"/>
       </p:ext>
     </p:extLst>
   </p:cSld>
@@ -3936,13 +3921,14 @@
           <a:bodyPr/>
           <a:lstStyle/>
           <a:p>
-            <a:r>
-              <a:rPr lang="uk-UA" dirty="0" smtClean="0"/>
-              <a:t>Монетизація та </a:t>
-            </a:r>
-            <a:r>
-              <a:rPr lang="uk-UA" dirty="0" err="1" smtClean="0"/>
-              <a:t>виральність</a:t>
+            <a:pPr algn="ctr"/>
+            <a:r>
+              <a:rPr lang="uk-UA" dirty="0" err="1"/>
+              <a:t>Геймплейні</a:t>
+            </a:r>
+            <a:r>
+              <a:rPr lang="uk-UA" dirty="0"/>
+              <a:t> Особливості</a:t>
             </a:r>
             <a:endParaRPr lang="en-US" dirty="0"/>
           </a:p>
@@ -3960,24 +3946,48 @@
         </p:nvSpPr>
         <p:spPr/>
         <p:txBody>
-          <a:bodyPr/>
-          <a:lstStyle/>
-          <a:p>
-            <a:pPr marL="0" indent="0">
-              <a:buNone/>
-            </a:pPr>
-            <a:r>
-              <a:rPr lang="uk-UA" dirty="0" smtClean="0"/>
-              <a:t>Гра не буде містити внутрішньо ігрових покупок. Весь контент та усі кінцівки гри можна досягнути без вкладання коштів.</a:t>
-            </a:r>
-            <a:endParaRPr lang="en-US" dirty="0"/>
+          <a:bodyPr>
+            <a:normAutofit/>
+          </a:bodyPr>
+          <a:lstStyle/>
+          <a:p>
+            <a:r>
+              <a:rPr lang="uk-UA" dirty="0"/>
+              <a:t>Ігровий світ поділяється на реальність та кошмари, з якими головний герой стикається уві сні. </a:t>
+            </a:r>
+          </a:p>
+          <a:p>
+            <a:r>
+              <a:rPr lang="uk-UA" dirty="0"/>
+              <a:t>В реальності головний герой може відновлювати показник психічного здоров’я та знаходити предмети, що допоможуть йому в світі кошмарів. </a:t>
+            </a:r>
+          </a:p>
+          <a:p>
+            <a:r>
+              <a:rPr lang="uk-UA" dirty="0"/>
+              <a:t>Уві сні гравцю потрібно втікати від монстрів та розв’язувати головоломки, щоб дійти до фізичного втілення кошмару – фінального боса кожного розділу.</a:t>
+            </a:r>
+          </a:p>
+          <a:p>
+            <a:r>
+              <a:rPr lang="uk-UA" dirty="0"/>
+              <a:t> Коли психічне здоров’я героя падає до нуля – він повертається до </a:t>
+            </a:r>
+            <a:r>
+              <a:rPr lang="uk-UA" dirty="0" err="1"/>
+              <a:t>останього</a:t>
+            </a:r>
+            <a:r>
+              <a:rPr lang="uk-UA" dirty="0"/>
+              <a:t> збереження, а максимальний показник психіки знижується на 10. </a:t>
+            </a:r>
           </a:p>
         </p:txBody>
       </p:sp>
     </p:spTree>
     <p:extLst>
       <p:ext uri="{BB962C8B-B14F-4D97-AF65-F5344CB8AC3E}">
-        <p14:creationId xmlns:p14="http://schemas.microsoft.com/office/powerpoint/2010/main" val="681632603"/>
+        <p14:creationId xmlns:p14="http://schemas.microsoft.com/office/powerpoint/2010/main" val="174947118"/>
       </p:ext>
     </p:extLst>
   </p:cSld>
@@ -4006,6 +4016,133 @@
       </p:grpSpPr>
       <p:sp>
         <p:nvSpPr>
+          <p:cNvPr id="2" name="Заголовок 1">
+            <a:extLst>
+              <a:ext uri="{FF2B5EF4-FFF2-40B4-BE49-F238E27FC236}">
+                <a16:creationId xmlns:a16="http://schemas.microsoft.com/office/drawing/2014/main" id="{2DC5002E-8937-4F1C-B9E6-E5F0AA87CB3A}"/>
+              </a:ext>
+            </a:extLst>
+          </p:cNvPr>
+          <p:cNvSpPr>
+            <a:spLocks noGrp="1"/>
+          </p:cNvSpPr>
+          <p:nvPr>
+            <p:ph type="title"/>
+          </p:nvPr>
+        </p:nvSpPr>
+        <p:spPr/>
+        <p:txBody>
+          <a:bodyPr/>
+          <a:lstStyle/>
+          <a:p>
+            <a:pPr algn="ctr"/>
+            <a:r>
+              <a:rPr lang="uk-UA" dirty="0"/>
+              <a:t>Сюжет </a:t>
+            </a:r>
+          </a:p>
+        </p:txBody>
+      </p:sp>
+      <p:sp>
+        <p:nvSpPr>
+          <p:cNvPr id="3" name="Місце для вмісту 2">
+            <a:extLst>
+              <a:ext uri="{FF2B5EF4-FFF2-40B4-BE49-F238E27FC236}">
+                <a16:creationId xmlns:a16="http://schemas.microsoft.com/office/drawing/2014/main" id="{290E4015-7526-43AA-8244-F0F13372AE34}"/>
+              </a:ext>
+            </a:extLst>
+          </p:cNvPr>
+          <p:cNvSpPr>
+            <a:spLocks noGrp="1"/>
+          </p:cNvSpPr>
+          <p:nvPr>
+            <p:ph idx="1"/>
+          </p:nvPr>
+        </p:nvSpPr>
+        <p:spPr/>
+        <p:txBody>
+          <a:bodyPr>
+            <a:normAutofit fontScale="85000" lnSpcReduction="20000"/>
+          </a:bodyPr>
+          <a:lstStyle/>
+          <a:p>
+            <a:r>
+              <a:rPr lang="uk-UA" dirty="0"/>
+              <a:t>Сюжет складається з чотирьох розділів: </a:t>
+            </a:r>
+            <a:r>
+              <a:rPr lang="uk-UA" dirty="0" err="1"/>
+              <a:t>трипофобія</a:t>
+            </a:r>
+            <a:r>
+              <a:rPr lang="uk-UA" dirty="0"/>
+              <a:t>, клаустрофобія, </a:t>
+            </a:r>
+            <a:r>
+              <a:rPr lang="uk-UA" dirty="0" err="1"/>
+              <a:t>тафофобія</a:t>
+            </a:r>
+            <a:r>
+              <a:rPr lang="uk-UA" dirty="0"/>
+              <a:t>, пірофобія. Головний герой – хлопчик, що стикається з своїми страхами уві сні. Кожен розділ складається з реальності, де головний герой живе звичайним життям, та кошмару, в якому він бореться зі своїми страхами. З кожним розділом межа між сном і реальністю все сильніше розмивається і образи кошмарів починають проявлятись в справжньому світі. Це також впливає на його рідних, вони стають все менш реальними(починають нагадувати ляльок чи манекени), хоч і ведуть себе так, ніби нічого не відбувається. Єдина, на кого не впливають зміни – подруга головного героя, вона реагує на стан його психічного здоров’я та зміни реального світу, завжди готова допомогти чим тільки викликає підозри. В подальшому </a:t>
+            </a:r>
+            <a:r>
+              <a:rPr lang="uk-UA" dirty="0" err="1"/>
+              <a:t>проходжені</a:t>
+            </a:r>
+            <a:r>
+              <a:rPr lang="uk-UA" dirty="0"/>
+              <a:t> виявиться, що цей світ також не є реальним, а головний герой знаходився в стані коми.  Вся його родина загинула під час пожежі, а страхи засновані на смертях, свідком яких він став.</a:t>
+            </a:r>
+            <a:r>
+              <a:rPr lang="en-US" dirty="0"/>
+              <a:t> </a:t>
+            </a:r>
+            <a:r>
+              <a:rPr lang="uk-UA" dirty="0"/>
+              <a:t>Фобії насправді є комплексними, вони пов’язані між собою, а також з іншими страхами головного героя.</a:t>
+            </a:r>
+          </a:p>
+          <a:p>
+            <a:endParaRPr lang="uk-UA" dirty="0"/>
+          </a:p>
+          <a:p>
+            <a:endParaRPr lang="uk-UA" dirty="0"/>
+          </a:p>
+        </p:txBody>
+      </p:sp>
+    </p:spTree>
+    <p:extLst>
+      <p:ext uri="{BB962C8B-B14F-4D97-AF65-F5344CB8AC3E}">
+        <p14:creationId xmlns:p14="http://schemas.microsoft.com/office/powerpoint/2010/main" val="1612853593"/>
+      </p:ext>
+    </p:extLst>
+  </p:cSld>
+  <p:clrMapOvr>
+    <a:masterClrMapping/>
+  </p:clrMapOvr>
+</p:sld>
+</file>
+
+<file path=ppt/slides/slide14.xml><?xml version="1.0" encoding="utf-8"?>
+<p:sld xmlns:a="http://schemas.openxmlformats.org/drawingml/2006/main" xmlns:r="http://schemas.openxmlformats.org/officeDocument/2006/relationships" xmlns:p="http://schemas.openxmlformats.org/presentationml/2006/main">
+  <p:cSld>
+    <p:spTree>
+      <p:nvGrpSpPr>
+        <p:cNvPr id="1" name=""/>
+        <p:cNvGrpSpPr/>
+        <p:nvPr/>
+      </p:nvGrpSpPr>
+      <p:grpSpPr>
+        <a:xfrm>
+          <a:off x="0" y="0"/>
+          <a:ext cx="0" cy="0"/>
+          <a:chOff x="0" y="0"/>
+          <a:chExt cx="0" cy="0"/>
+        </a:xfrm>
+      </p:grpSpPr>
+      <p:sp>
+        <p:nvSpPr>
           <p:cNvPr id="2" name="Title 1"/>
           <p:cNvSpPr>
             <a:spLocks noGrp="1"/>
@@ -4020,7 +4157,215 @@
           <a:lstStyle/>
           <a:p>
             <a:r>
-              <a:rPr lang="uk-UA" dirty="0" smtClean="0"/>
+              <a:rPr lang="uk-UA" dirty="0"/>
+              <a:t>Унікальні особливості гри</a:t>
+            </a:r>
+            <a:endParaRPr lang="en-US" dirty="0"/>
+          </a:p>
+        </p:txBody>
+      </p:sp>
+      <p:sp>
+        <p:nvSpPr>
+          <p:cNvPr id="3" name="Content Placeholder 2"/>
+          <p:cNvSpPr>
+            <a:spLocks noGrp="1"/>
+          </p:cNvSpPr>
+          <p:nvPr>
+            <p:ph idx="1"/>
+          </p:nvPr>
+        </p:nvSpPr>
+        <p:spPr/>
+        <p:txBody>
+          <a:bodyPr>
+            <a:normAutofit fontScale="92500" lnSpcReduction="10000"/>
+          </a:bodyPr>
+          <a:lstStyle/>
+          <a:p>
+            <a:pPr marL="0" indent="0">
+              <a:buNone/>
+            </a:pPr>
+            <a:r>
+              <a:rPr lang="uk-UA" dirty="0"/>
+              <a:t>Серед унікальних особливостей гри можна виділити велику варіативність в розв’язанні головоломок. Під варіативністю, мається на увазі різні способи їх проходження, наприклад</a:t>
+            </a:r>
+            <a:r>
+              <a:rPr lang="en-US" dirty="0"/>
+              <a:t>: </a:t>
+            </a:r>
+          </a:p>
+          <a:p>
+            <a:r>
+              <a:rPr lang="uk-UA" dirty="0"/>
+              <a:t>Використання предметів, знайдених в реальному світі</a:t>
+            </a:r>
+          </a:p>
+          <a:p>
+            <a:r>
+              <a:rPr lang="uk-UA" dirty="0"/>
+              <a:t>Безпосереднє розв’язання головоломки</a:t>
+            </a:r>
+          </a:p>
+          <a:p>
+            <a:r>
+              <a:rPr lang="uk-UA" dirty="0"/>
+              <a:t>Використання підказок</a:t>
+            </a:r>
+          </a:p>
+          <a:p>
+            <a:r>
+              <a:rPr lang="uk-UA" dirty="0"/>
+              <a:t>Пропуск деяких головоломок</a:t>
+            </a:r>
+          </a:p>
+          <a:p>
+            <a:pPr marL="0" indent="0">
+              <a:buNone/>
+            </a:pPr>
+            <a:r>
+              <a:rPr lang="uk-UA" dirty="0"/>
+              <a:t>Варто зазначити, що від способу проходження головоломок кінцівка гри може змінюватися.</a:t>
+            </a:r>
+          </a:p>
+        </p:txBody>
+      </p:sp>
+    </p:spTree>
+    <p:extLst>
+      <p:ext uri="{BB962C8B-B14F-4D97-AF65-F5344CB8AC3E}">
+        <p14:creationId xmlns:p14="http://schemas.microsoft.com/office/powerpoint/2010/main" val="3636901661"/>
+      </p:ext>
+    </p:extLst>
+  </p:cSld>
+  <p:clrMapOvr>
+    <a:masterClrMapping/>
+  </p:clrMapOvr>
+</p:sld>
+</file>
+
+<file path=ppt/slides/slide15.xml><?xml version="1.0" encoding="utf-8"?>
+<p:sld xmlns:a="http://schemas.openxmlformats.org/drawingml/2006/main" xmlns:r="http://schemas.openxmlformats.org/officeDocument/2006/relationships" xmlns:p="http://schemas.openxmlformats.org/presentationml/2006/main">
+  <p:cSld>
+    <p:spTree>
+      <p:nvGrpSpPr>
+        <p:cNvPr id="1" name=""/>
+        <p:cNvGrpSpPr/>
+        <p:nvPr/>
+      </p:nvGrpSpPr>
+      <p:grpSpPr>
+        <a:xfrm>
+          <a:off x="0" y="0"/>
+          <a:ext cx="0" cy="0"/>
+          <a:chOff x="0" y="0"/>
+          <a:chExt cx="0" cy="0"/>
+        </a:xfrm>
+      </p:grpSpPr>
+      <p:sp>
+        <p:nvSpPr>
+          <p:cNvPr id="2" name="Title 1"/>
+          <p:cNvSpPr>
+            <a:spLocks noGrp="1"/>
+          </p:cNvSpPr>
+          <p:nvPr>
+            <p:ph type="title"/>
+          </p:nvPr>
+        </p:nvSpPr>
+        <p:spPr/>
+        <p:txBody>
+          <a:bodyPr/>
+          <a:lstStyle/>
+          <a:p>
+            <a:r>
+              <a:rPr lang="uk-UA" dirty="0"/>
+              <a:t>Монетизація та </a:t>
+            </a:r>
+            <a:r>
+              <a:rPr lang="uk-UA" dirty="0" err="1"/>
+              <a:t>виральність</a:t>
+            </a:r>
+            <a:endParaRPr lang="en-US" dirty="0"/>
+          </a:p>
+        </p:txBody>
+      </p:sp>
+      <p:sp>
+        <p:nvSpPr>
+          <p:cNvPr id="3" name="Content Placeholder 2"/>
+          <p:cNvSpPr>
+            <a:spLocks noGrp="1"/>
+          </p:cNvSpPr>
+          <p:nvPr>
+            <p:ph idx="1"/>
+          </p:nvPr>
+        </p:nvSpPr>
+        <p:spPr/>
+        <p:txBody>
+          <a:bodyPr/>
+          <a:lstStyle/>
+          <a:p>
+            <a:pPr marL="0" indent="0">
+              <a:buNone/>
+            </a:pPr>
+            <a:r>
+              <a:rPr lang="uk-UA" dirty="0"/>
+              <a:t>Гра не буде містити </a:t>
+            </a:r>
+            <a:r>
+              <a:rPr lang="uk-UA" dirty="0" err="1"/>
+              <a:t>внутрішньоігрових</a:t>
+            </a:r>
+            <a:r>
+              <a:rPr lang="uk-UA" dirty="0"/>
+              <a:t> покупок. Весь контент та усі кінцівки гри можна досягнути без вкладання коштів.</a:t>
+            </a:r>
+            <a:endParaRPr lang="en-US" dirty="0"/>
+          </a:p>
+        </p:txBody>
+      </p:sp>
+    </p:spTree>
+    <p:extLst>
+      <p:ext uri="{BB962C8B-B14F-4D97-AF65-F5344CB8AC3E}">
+        <p14:creationId xmlns:p14="http://schemas.microsoft.com/office/powerpoint/2010/main" val="681632603"/>
+      </p:ext>
+    </p:extLst>
+  </p:cSld>
+  <p:clrMapOvr>
+    <a:masterClrMapping/>
+  </p:clrMapOvr>
+</p:sld>
+</file>
+
+<file path=ppt/slides/slide16.xml><?xml version="1.0" encoding="utf-8"?>
+<p:sld xmlns:a="http://schemas.openxmlformats.org/drawingml/2006/main" xmlns:r="http://schemas.openxmlformats.org/officeDocument/2006/relationships" xmlns:p="http://schemas.openxmlformats.org/presentationml/2006/main">
+  <p:cSld>
+    <p:spTree>
+      <p:nvGrpSpPr>
+        <p:cNvPr id="1" name=""/>
+        <p:cNvGrpSpPr/>
+        <p:nvPr/>
+      </p:nvGrpSpPr>
+      <p:grpSpPr>
+        <a:xfrm>
+          <a:off x="0" y="0"/>
+          <a:ext cx="0" cy="0"/>
+          <a:chOff x="0" y="0"/>
+          <a:chExt cx="0" cy="0"/>
+        </a:xfrm>
+      </p:grpSpPr>
+      <p:sp>
+        <p:nvSpPr>
+          <p:cNvPr id="2" name="Title 1"/>
+          <p:cNvSpPr>
+            <a:spLocks noGrp="1"/>
+          </p:cNvSpPr>
+          <p:nvPr>
+            <p:ph type="title"/>
+          </p:nvPr>
+        </p:nvSpPr>
+        <p:spPr/>
+        <p:txBody>
+          <a:bodyPr/>
+          <a:lstStyle/>
+          <a:p>
+            <a:r>
+              <a:rPr lang="uk-UA" dirty="0"/>
               <a:t>Графіка</a:t>
             </a:r>
             <a:endParaRPr lang="en-US" dirty="0"/>
@@ -4043,75 +4388,72 @@
           <a:lstStyle/>
           <a:p>
             <a:r>
-              <a:rPr lang="uk-UA" dirty="0" smtClean="0"/>
+              <a:rPr lang="uk-UA" dirty="0"/>
               <a:t>Гра буде зроблена у піксельному стилі з деякими рисованими частинами.</a:t>
             </a:r>
           </a:p>
           <a:p>
-            <a:r>
-              <a:rPr lang="uk-UA" dirty="0" smtClean="0"/>
+            <a:pPr marL="0" indent="0">
+              <a:buNone/>
+            </a:pPr>
+            <a:r>
+              <a:rPr lang="uk-UA" dirty="0"/>
               <a:t>Приклад персонажів</a:t>
             </a:r>
             <a:r>
-              <a:rPr lang="en-US" dirty="0" smtClean="0"/>
+              <a:rPr lang="en-US" dirty="0"/>
               <a:t>: 			</a:t>
             </a:r>
             <a:r>
-              <a:rPr lang="uk-UA" dirty="0" smtClean="0"/>
+              <a:rPr lang="uk-UA" dirty="0"/>
               <a:t>Приклад дому</a:t>
             </a:r>
             <a:r>
-              <a:rPr lang="en-US" dirty="0" smtClean="0"/>
+              <a:rPr lang="en-US" dirty="0"/>
               <a:t>:</a:t>
             </a:r>
-            <a:endParaRPr lang="en-US" dirty="0"/>
           </a:p>
         </p:txBody>
       </p:sp>
       <p:pic>
         <p:nvPicPr>
-          <p:cNvPr id="3074" name="Picture 2" descr="pers.png"/>
+          <p:cNvPr id="7" name="Рисунок 6">
+            <a:extLst>
+              <a:ext uri="{FF2B5EF4-FFF2-40B4-BE49-F238E27FC236}">
+                <a16:creationId xmlns:a16="http://schemas.microsoft.com/office/drawing/2014/main" id="{D146C659-4061-4A5E-89AB-322FFE7F88BF}"/>
+              </a:ext>
+            </a:extLst>
+          </p:cNvPr>
           <p:cNvPicPr>
-            <a:picLocks noChangeAspect="1" noChangeArrowheads="1"/>
+            <a:picLocks noChangeAspect="1"/>
           </p:cNvPicPr>
           <p:nvPr/>
         </p:nvPicPr>
         <p:blipFill>
-          <a:blip r:embed="rId2">
-            <a:extLst>
-              <a:ext uri="{28A0092B-C50C-407E-A947-70E740481C1C}">
-                <a14:useLocalDpi xmlns:a14="http://schemas.microsoft.com/office/drawing/2010/main" val="0"/>
-              </a:ext>
-            </a:extLst>
-          </a:blip>
-          <a:srcRect/>
+          <a:blip r:embed="rId2"/>
           <a:stretch>
             <a:fillRect/>
           </a:stretch>
         </p:blipFill>
-        <p:spPr bwMode="auto">
+        <p:spPr>
           <a:xfrm>
-            <a:off x="1972509" y="3160857"/>
-            <a:ext cx="1344270" cy="1344270"/>
+            <a:off x="7817165" y="2606421"/>
+            <a:ext cx="4224937" cy="3447060"/>
           </a:xfrm>
           <a:prstGeom prst="rect">
             <a:avLst/>
           </a:prstGeom>
-          <a:noFill/>
-          <a:extLst>
-            <a:ext uri="{909E8E84-426E-40DD-AFC4-6F175D3DCCD1}">
-              <a14:hiddenFill xmlns:a14="http://schemas.microsoft.com/office/drawing/2010/main">
-                <a:solidFill>
-                  <a:srgbClr val="FFFFFF"/>
-                </a:solidFill>
-              </a14:hiddenFill>
-            </a:ext>
-          </a:extLst>
         </p:spPr>
       </p:pic>
       <p:pic>
         <p:nvPicPr>
-          <p:cNvPr id="4" name="Picture 3"/>
+          <p:cNvPr id="8" name="Рисунок 7">
+            <a:extLst>
+              <a:ext uri="{FF2B5EF4-FFF2-40B4-BE49-F238E27FC236}">
+                <a16:creationId xmlns:a16="http://schemas.microsoft.com/office/drawing/2014/main" id="{65F35BF4-B9B0-4D4B-B9DF-582647EA103F}"/>
+              </a:ext>
+            </a:extLst>
+          </p:cNvPr>
           <p:cNvPicPr>
             <a:picLocks noChangeAspect="1"/>
           </p:cNvPicPr>
@@ -4125,56 +4467,8 @@
         </p:blipFill>
         <p:spPr>
           <a:xfrm>
-            <a:off x="5999969" y="3160857"/>
-            <a:ext cx="1946997" cy="1558647"/>
-          </a:xfrm>
-          <a:prstGeom prst="rect">
-            <a:avLst/>
-          </a:prstGeom>
-        </p:spPr>
-      </p:pic>
-      <p:pic>
-        <p:nvPicPr>
-          <p:cNvPr id="5" name="Picture 4"/>
-          <p:cNvPicPr>
-            <a:picLocks noChangeAspect="1"/>
-          </p:cNvPicPr>
-          <p:nvPr/>
-        </p:nvPicPr>
-        <p:blipFill>
-          <a:blip r:embed="rId4"/>
-          <a:stretch>
-            <a:fillRect/>
-          </a:stretch>
-        </p:blipFill>
-        <p:spPr>
-          <a:xfrm>
-            <a:off x="8179722" y="3081344"/>
-            <a:ext cx="1338350" cy="1919576"/>
-          </a:xfrm>
-          <a:prstGeom prst="rect">
-            <a:avLst/>
-          </a:prstGeom>
-        </p:spPr>
-      </p:pic>
-      <p:pic>
-        <p:nvPicPr>
-          <p:cNvPr id="6" name="Picture 5"/>
-          <p:cNvPicPr>
-            <a:picLocks noChangeAspect="1"/>
-          </p:cNvPicPr>
-          <p:nvPr/>
-        </p:nvPicPr>
-        <p:blipFill>
-          <a:blip r:embed="rId5"/>
-          <a:stretch>
-            <a:fillRect/>
-          </a:stretch>
-        </p:blipFill>
-        <p:spPr>
-          <a:xfrm>
-            <a:off x="5827270" y="4877232"/>
-            <a:ext cx="2236074" cy="1178225"/>
+            <a:off x="1556186" y="2922141"/>
+            <a:ext cx="3078186" cy="3060220"/>
           </a:xfrm>
           <a:prstGeom prst="rect">
             <a:avLst/>
@@ -4213,7 +4507,13 @@
       </p:grpSpPr>
       <p:sp>
         <p:nvSpPr>
-          <p:cNvPr id="2" name="Title 1"/>
+          <p:cNvPr id="2" name="Заголовок 1">
+            <a:extLst>
+              <a:ext uri="{FF2B5EF4-FFF2-40B4-BE49-F238E27FC236}">
+                <a16:creationId xmlns:a16="http://schemas.microsoft.com/office/drawing/2014/main" id="{D8D10360-14FB-4F5C-92A4-4B76880298FF}"/>
+              </a:ext>
+            </a:extLst>
+          </p:cNvPr>
           <p:cNvSpPr>
             <a:spLocks noGrp="1"/>
           </p:cNvSpPr>
@@ -4226,133 +4526,205 @@
           <a:bodyPr/>
           <a:lstStyle/>
           <a:p>
-            <a:pPr algn="ctr"/>
-            <a:r>
-              <a:rPr lang="uk-UA" dirty="0" smtClean="0"/>
-              <a:t>Середовище розробки – </a:t>
-            </a:r>
-            <a:r>
-              <a:rPr lang="en-US" dirty="0" smtClean="0"/>
-              <a:t>Unity</a:t>
-            </a:r>
-            <a:endParaRPr lang="en-US" dirty="0"/>
-          </a:p>
-        </p:txBody>
-      </p:sp>
-      <p:sp>
-        <p:nvSpPr>
-          <p:cNvPr id="3" name="Content Placeholder 2"/>
-          <p:cNvSpPr>
-            <a:spLocks noGrp="1"/>
-          </p:cNvSpPr>
-          <p:nvPr>
-            <p:ph idx="1"/>
-          </p:nvPr>
-        </p:nvSpPr>
-        <p:spPr/>
-        <p:txBody>
-          <a:bodyPr>
-            <a:normAutofit fontScale="85000" lnSpcReduction="10000"/>
-          </a:bodyPr>
-          <a:lstStyle/>
-          <a:p>
-            <a:pPr marL="0" indent="0">
-              <a:buNone/>
-            </a:pPr>
-            <a:r>
-              <a:rPr lang="en-US" dirty="0"/>
-              <a:t>Unity - </a:t>
-            </a:r>
-            <a:r>
-              <a:rPr lang="uk-UA" dirty="0"/>
-              <a:t>це інтегроване середовище розробки (</a:t>
-            </a:r>
-            <a:r>
-              <a:rPr lang="en-US" dirty="0"/>
-              <a:t>IDE) </a:t>
-            </a:r>
-            <a:r>
-              <a:rPr lang="uk-UA" dirty="0"/>
-              <a:t>для створення ігор і додатків віртуальної реальності. У цьому середовищі ви створюєте всі необхідні об'єкти, сцени, анімації та логіку для вашої гри. Ось деякі ключові аспекти роботи з </a:t>
-            </a:r>
-            <a:r>
-              <a:rPr lang="en-US" dirty="0"/>
-              <a:t>Unity:</a:t>
-            </a:r>
-          </a:p>
-          <a:p>
-            <a:r>
-              <a:rPr lang="uk-UA" b="1" dirty="0"/>
-              <a:t>Сцени:</a:t>
-            </a:r>
-            <a:r>
-              <a:rPr lang="uk-UA" dirty="0"/>
-              <a:t> Сцени - це простори, де ви розміщуєте ваші об'єкти та визначаєте їх взаємодію.</a:t>
-            </a:r>
-          </a:p>
-          <a:p>
-            <a:r>
-              <a:rPr lang="uk-UA" b="1" dirty="0"/>
-              <a:t>Об'єкти:</a:t>
-            </a:r>
-            <a:r>
-              <a:rPr lang="uk-UA" dirty="0"/>
-              <a:t> У </a:t>
-            </a:r>
-            <a:r>
-              <a:rPr lang="en-US" dirty="0"/>
-              <a:t>Unity </a:t>
-            </a:r>
-            <a:r>
-              <a:rPr lang="uk-UA" dirty="0"/>
-              <a:t>ви створюєте і налаштовуєте різні об'єкти, такі як персонажі, об'єкти оточення, камери тощо.</a:t>
-            </a:r>
-          </a:p>
-          <a:p>
-            <a:r>
-              <a:rPr lang="uk-UA" b="1" dirty="0"/>
-              <a:t>Компоненти:</a:t>
-            </a:r>
-            <a:r>
-              <a:rPr lang="uk-UA" dirty="0"/>
-              <a:t> Ви додаєте різні компоненти до об'єктів для визначення їхньої поведінки та властивостей. Наприклад, компоненти можуть визначати фізику об'єкту, анімацію чи логіку гри.</a:t>
-            </a:r>
-          </a:p>
-          <a:p>
-            <a:r>
-              <a:rPr lang="uk-UA" b="1" dirty="0" err="1"/>
-              <a:t>Скрипти</a:t>
-            </a:r>
-            <a:r>
-              <a:rPr lang="uk-UA" b="1" dirty="0"/>
-              <a:t>:</a:t>
-            </a:r>
-            <a:r>
-              <a:rPr lang="uk-UA" dirty="0"/>
-              <a:t> Для програмування логіки вашої гри використовуються </a:t>
-            </a:r>
-            <a:r>
-              <a:rPr lang="uk-UA" dirty="0" err="1"/>
-              <a:t>скрипти</a:t>
-            </a:r>
-            <a:r>
-              <a:rPr lang="uk-UA" dirty="0"/>
-              <a:t>, зазвичай написані мовою </a:t>
-            </a:r>
-            <a:r>
-              <a:rPr lang="en-US" dirty="0"/>
-              <a:t>C#.</a:t>
-            </a:r>
-          </a:p>
-          <a:p>
-            <a:endParaRPr lang="en-US" dirty="0"/>
-          </a:p>
-        </p:txBody>
-      </p:sp>
+            <a:r>
+              <a:rPr lang="uk-UA" dirty="0"/>
+              <a:t>Середовище розробки та використані технології</a:t>
+            </a:r>
+          </a:p>
+        </p:txBody>
+      </p:sp>
+      <p:pic>
+        <p:nvPicPr>
+          <p:cNvPr id="3074" name="Picture 2" descr="Visual Studio full logo transparent PNG - StickPNG">
+            <a:extLst>
+              <a:ext uri="{FF2B5EF4-FFF2-40B4-BE49-F238E27FC236}">
+                <a16:creationId xmlns:a16="http://schemas.microsoft.com/office/drawing/2014/main" id="{0FEBA35C-8816-46E8-824C-DF346ADA77CE}"/>
+              </a:ext>
+            </a:extLst>
+          </p:cNvPr>
+          <p:cNvPicPr>
+            <a:picLocks noChangeAspect="1" noChangeArrowheads="1"/>
+          </p:cNvPicPr>
+          <p:nvPr/>
+        </p:nvPicPr>
+        <p:blipFill>
+          <a:blip r:embed="rId2">
+            <a:extLst>
+              <a:ext uri="{28A0092B-C50C-407E-A947-70E740481C1C}">
+                <a14:useLocalDpi xmlns:a14="http://schemas.microsoft.com/office/drawing/2010/main" val="0"/>
+              </a:ext>
+            </a:extLst>
+          </a:blip>
+          <a:srcRect/>
+          <a:stretch>
+            <a:fillRect/>
+          </a:stretch>
+        </p:blipFill>
+        <p:spPr bwMode="auto">
+          <a:xfrm>
+            <a:off x="607060" y="3879189"/>
+            <a:ext cx="4587240" cy="2293620"/>
+          </a:xfrm>
+          <a:prstGeom prst="rect">
+            <a:avLst/>
+          </a:prstGeom>
+          <a:noFill/>
+          <a:extLst>
+            <a:ext uri="{909E8E84-426E-40DD-AFC4-6F175D3DCCD1}">
+              <a14:hiddenFill xmlns:a14="http://schemas.microsoft.com/office/drawing/2010/main">
+                <a:solidFill>
+                  <a:srgbClr val="FFFFFF"/>
+                </a:solidFill>
+              </a14:hiddenFill>
+            </a:ext>
+          </a:extLst>
+        </p:spPr>
+      </p:pic>
+      <p:pic>
+        <p:nvPicPr>
+          <p:cNvPr id="3076" name="Picture 4" descr="Unity logo and symbol, meaning, history, PNG">
+            <a:extLst>
+              <a:ext uri="{FF2B5EF4-FFF2-40B4-BE49-F238E27FC236}">
+                <a16:creationId xmlns:a16="http://schemas.microsoft.com/office/drawing/2014/main" id="{03F14C03-26B3-4560-9D38-97A5EED7DC73}"/>
+              </a:ext>
+            </a:extLst>
+          </p:cNvPr>
+          <p:cNvPicPr>
+            <a:picLocks noChangeAspect="1" noChangeArrowheads="1"/>
+          </p:cNvPicPr>
+          <p:nvPr/>
+        </p:nvPicPr>
+        <p:blipFill>
+          <a:blip r:embed="rId3">
+            <a:extLst>
+              <a:ext uri="{28A0092B-C50C-407E-A947-70E740481C1C}">
+                <a14:useLocalDpi xmlns:a14="http://schemas.microsoft.com/office/drawing/2010/main" val="0"/>
+              </a:ext>
+            </a:extLst>
+          </a:blip>
+          <a:srcRect/>
+          <a:stretch>
+            <a:fillRect/>
+          </a:stretch>
+        </p:blipFill>
+        <p:spPr bwMode="auto">
+          <a:xfrm>
+            <a:off x="607060" y="1544439"/>
+            <a:ext cx="5466080" cy="3074670"/>
+          </a:xfrm>
+          <a:prstGeom prst="rect">
+            <a:avLst/>
+          </a:prstGeom>
+          <a:noFill/>
+          <a:extLst>
+            <a:ext uri="{909E8E84-426E-40DD-AFC4-6F175D3DCCD1}">
+              <a14:hiddenFill xmlns:a14="http://schemas.microsoft.com/office/drawing/2010/main">
+                <a:solidFill>
+                  <a:srgbClr val="FFFFFF"/>
+                </a:solidFill>
+              </a14:hiddenFill>
+            </a:ext>
+          </a:extLst>
+        </p:spPr>
+      </p:pic>
+      <p:pic>
+        <p:nvPicPr>
+          <p:cNvPr id="3078" name="Picture 6" descr="Download] Aseprite macOS Big Sur Icon - Features - Aseprite Community">
+            <a:extLst>
+              <a:ext uri="{FF2B5EF4-FFF2-40B4-BE49-F238E27FC236}">
+                <a16:creationId xmlns:a16="http://schemas.microsoft.com/office/drawing/2014/main" id="{BE058C9F-86D3-4EE3-9D29-55C7BC412DC6}"/>
+              </a:ext>
+            </a:extLst>
+          </p:cNvPr>
+          <p:cNvPicPr>
+            <a:picLocks noChangeAspect="1" noChangeArrowheads="1"/>
+          </p:cNvPicPr>
+          <p:nvPr/>
+        </p:nvPicPr>
+        <p:blipFill>
+          <a:blip r:embed="rId4">
+            <a:extLst>
+              <a:ext uri="{28A0092B-C50C-407E-A947-70E740481C1C}">
+                <a14:useLocalDpi xmlns:a14="http://schemas.microsoft.com/office/drawing/2010/main" val="0"/>
+              </a:ext>
+            </a:extLst>
+          </a:blip>
+          <a:srcRect/>
+          <a:stretch>
+            <a:fillRect/>
+          </a:stretch>
+        </p:blipFill>
+        <p:spPr bwMode="auto">
+          <a:xfrm>
+            <a:off x="8474811" y="3317821"/>
+            <a:ext cx="2580043" cy="2580640"/>
+          </a:xfrm>
+          <a:prstGeom prst="rect">
+            <a:avLst/>
+          </a:prstGeom>
+          <a:noFill/>
+          <a:extLst>
+            <a:ext uri="{909E8E84-426E-40DD-AFC4-6F175D3DCCD1}">
+              <a14:hiddenFill xmlns:a14="http://schemas.microsoft.com/office/drawing/2010/main">
+                <a:solidFill>
+                  <a:srgbClr val="FFFFFF"/>
+                </a:solidFill>
+              </a14:hiddenFill>
+            </a:ext>
+          </a:extLst>
+        </p:spPr>
+      </p:pic>
+      <p:pic>
+        <p:nvPicPr>
+          <p:cNvPr id="3080" name="Picture 8">
+            <a:extLst>
+              <a:ext uri="{FF2B5EF4-FFF2-40B4-BE49-F238E27FC236}">
+                <a16:creationId xmlns:a16="http://schemas.microsoft.com/office/drawing/2014/main" id="{1340EBBB-E02F-46B4-90BE-520C9BED0DA1}"/>
+              </a:ext>
+            </a:extLst>
+          </p:cNvPr>
+          <p:cNvPicPr>
+            <a:picLocks noChangeAspect="1" noChangeArrowheads="1"/>
+          </p:cNvPicPr>
+          <p:nvPr/>
+        </p:nvPicPr>
+        <p:blipFill>
+          <a:blip r:embed="rId5">
+            <a:extLst>
+              <a:ext uri="{28A0092B-C50C-407E-A947-70E740481C1C}">
+                <a14:useLocalDpi xmlns:a14="http://schemas.microsoft.com/office/drawing/2010/main" val="0"/>
+              </a:ext>
+            </a:extLst>
+          </a:blip>
+          <a:srcRect/>
+          <a:stretch>
+            <a:fillRect/>
+          </a:stretch>
+        </p:blipFill>
+        <p:spPr bwMode="auto">
+          <a:xfrm>
+            <a:off x="6096000" y="1874074"/>
+            <a:ext cx="2580043" cy="2580043"/>
+          </a:xfrm>
+          <a:prstGeom prst="rect">
+            <a:avLst/>
+          </a:prstGeom>
+          <a:noFill/>
+          <a:extLst>
+            <a:ext uri="{909E8E84-426E-40DD-AFC4-6F175D3DCCD1}">
+              <a14:hiddenFill xmlns:a14="http://schemas.microsoft.com/office/drawing/2010/main">
+                <a:solidFill>
+                  <a:srgbClr val="FFFFFF"/>
+                </a:solidFill>
+              </a14:hiddenFill>
+            </a:ext>
+          </a:extLst>
+        </p:spPr>
+      </p:pic>
     </p:spTree>
     <p:extLst>
       <p:ext uri="{BB962C8B-B14F-4D97-AF65-F5344CB8AC3E}">
-        <p14:creationId xmlns:p14="http://schemas.microsoft.com/office/powerpoint/2010/main" val="2819327078"/>
+        <p14:creationId xmlns:p14="http://schemas.microsoft.com/office/powerpoint/2010/main" val="2972131029"/>
       </p:ext>
     </p:extLst>
   </p:cSld>
@@ -4396,10 +4768,13 @@
           <a:p>
             <a:pPr algn="ctr"/>
             <a:r>
-              <a:rPr lang="en-US" dirty="0" smtClean="0"/>
-              <a:t>Visual studio</a:t>
-            </a:r>
-            <a:endParaRPr lang="en-US" dirty="0"/>
+              <a:rPr lang="uk-UA" dirty="0"/>
+              <a:t>Середовище розробки – </a:t>
+            </a:r>
+            <a:r>
+              <a:rPr lang="en-US" dirty="0"/>
+              <a:t>Unity</a:t>
+            </a:r>
           </a:p>
         </p:txBody>
       </p:sp>
@@ -4413,10 +4788,15 @@
             <p:ph idx="1"/>
           </p:nvPr>
         </p:nvSpPr>
-        <p:spPr/>
+        <p:spPr>
+          <a:xfrm>
+            <a:off x="1451579" y="2137652"/>
+            <a:ext cx="9603275" cy="3450613"/>
+          </a:xfrm>
+        </p:spPr>
         <p:txBody>
           <a:bodyPr>
-            <a:normAutofit fontScale="92500" lnSpcReduction="10000"/>
+            <a:normAutofit fontScale="85000" lnSpcReduction="10000"/>
           </a:bodyPr>
           <a:lstStyle/>
           <a:p>
@@ -4425,19 +4805,43 @@
             </a:pPr>
             <a:r>
               <a:rPr lang="en-US" dirty="0"/>
-              <a:t>Visual Studio - </a:t>
-            </a:r>
-            <a:r>
-              <a:rPr lang="uk-UA" dirty="0"/>
-              <a:t>це інтегроване середовище розробки (</a:t>
+              <a:t>Unity - </a:t>
+            </a:r>
+            <a:r>
+              <a:rPr lang="uk-UA" dirty="0"/>
+              <a:t>це інтегроване середовище розробки</a:t>
             </a:r>
             <a:r>
               <a:rPr lang="en-US" dirty="0"/>
-              <a:t>IDE), </a:t>
-            </a:r>
-            <a:r>
-              <a:rPr lang="uk-UA" dirty="0"/>
-              <a:t>яке використовується для програмування в </a:t>
+              <a:t> </a:t>
+            </a:r>
+            <a:r>
+              <a:rPr lang="uk-UA" dirty="0"/>
+              <a:t>для створення ігор і додатків віртуальної реальності. У цьому середовищі ви створюються всі необхідні об'єкти, сцени, анімації та логіка для гри. Ось деякі ключові аспекти роботи з </a:t>
+            </a:r>
+            <a:r>
+              <a:rPr lang="en-US" dirty="0"/>
+              <a:t>Unity:</a:t>
+            </a:r>
+          </a:p>
+          <a:p>
+            <a:r>
+              <a:rPr lang="uk-UA" b="1" dirty="0"/>
+              <a:t>Сцени:</a:t>
+            </a:r>
+            <a:r>
+              <a:rPr lang="uk-UA" dirty="0"/>
+              <a:t> Сцени - це простори, де ви розміщуєте ваші об'єкти та визначаєте їх взаємодію.</a:t>
+            </a:r>
+          </a:p>
+          <a:p>
+            <a:r>
+              <a:rPr lang="uk-UA" b="1" dirty="0"/>
+              <a:t>Об'єкти:</a:t>
+            </a:r>
+            <a:r>
+              <a:rPr lang="uk-UA" dirty="0"/>
+              <a:t> У </a:t>
             </a:r>
             <a:r>
               <a:rPr lang="en-US" dirty="0"/>
@@ -4445,41 +4849,31 @@
             </a:r>
             <a:r>
               <a:rPr lang="uk-UA" dirty="0"/>
-              <a:t>з використанням мови </a:t>
-            </a:r>
-            <a:r>
-              <a:rPr lang="en-US" dirty="0"/>
-              <a:t>C#. </a:t>
-            </a:r>
-            <a:r>
-              <a:rPr lang="uk-UA" dirty="0"/>
-              <a:t>Основні функції </a:t>
-            </a:r>
-            <a:r>
-              <a:rPr lang="en-US" dirty="0"/>
-              <a:t>Visual Studio </a:t>
-            </a:r>
-            <a:r>
-              <a:rPr lang="uk-UA" dirty="0"/>
-              <a:t>для розробки ігор у </a:t>
-            </a:r>
-            <a:r>
-              <a:rPr lang="en-US" dirty="0"/>
-              <a:t>Unity </a:t>
-            </a:r>
-            <a:r>
-              <a:rPr lang="uk-UA" dirty="0"/>
-              <a:t>включають:</a:t>
+              <a:t>ви створюєте і налаштовуєте різні об'єкти, такі як персонажі, об'єкти оточення, камери тощо.</a:t>
             </a:r>
           </a:p>
           <a:p>
             <a:r>
               <a:rPr lang="uk-UA" b="1" dirty="0"/>
-              <a:t>Редагування коду:</a:t>
-            </a:r>
-            <a:r>
-              <a:rPr lang="uk-UA" dirty="0"/>
-              <a:t> Ви редагуєте </a:t>
+              <a:t>Компоненти:</a:t>
+            </a:r>
+            <a:r>
+              <a:rPr lang="uk-UA" dirty="0"/>
+              <a:t> Ви додаєте різні компоненти до об'єктів для визначення їхньої поведінки та властивостей. Наприклад, компоненти можуть визначати фізику об'єкту, анімацію чи логіку гри.</a:t>
+            </a:r>
+          </a:p>
+          <a:p>
+            <a:r>
+              <a:rPr lang="uk-UA" b="1" dirty="0" err="1"/>
+              <a:t>Скрипти</a:t>
+            </a:r>
+            <a:r>
+              <a:rPr lang="uk-UA" b="1" dirty="0"/>
+              <a:t>:</a:t>
+            </a:r>
+            <a:r>
+              <a:rPr lang="uk-UA" dirty="0"/>
+              <a:t> Для програмування логіки вашої гри використовуються </a:t>
             </a:r>
             <a:r>
               <a:rPr lang="uk-UA" dirty="0" err="1"/>
@@ -4487,70 +4881,67 @@
             </a:r>
             <a:r>
               <a:rPr lang="uk-UA" dirty="0"/>
-              <a:t> гри, визначаєте логіку та взаємодію об'єктів у </a:t>
+              <a:t>, зазвичай написані мовою </a:t>
             </a:r>
             <a:r>
               <a:rPr lang="en-US" dirty="0"/>
-              <a:t>Visual Studio.</a:t>
-            </a:r>
-          </a:p>
-          <a:p>
-            <a:r>
-              <a:rPr lang="uk-UA" b="1" dirty="0"/>
-              <a:t>Засоби налагодження:</a:t>
-            </a:r>
-            <a:r>
-              <a:rPr lang="uk-UA" dirty="0"/>
-              <a:t> </a:t>
-            </a:r>
-            <a:r>
-              <a:rPr lang="en-US" dirty="0"/>
-              <a:t>Visual Studio </a:t>
-            </a:r>
-            <a:r>
-              <a:rPr lang="uk-UA" dirty="0"/>
-              <a:t>надає засоби для налагодження вашого коду, що допомагають виявити та виправити помилки.</a:t>
-            </a:r>
-          </a:p>
-          <a:p>
-            <a:r>
-              <a:rPr lang="uk-UA" b="1" dirty="0"/>
-              <a:t>Інтеграція з </a:t>
-            </a:r>
-            <a:r>
-              <a:rPr lang="en-US" b="1" dirty="0"/>
-              <a:t>Unity:</a:t>
-            </a:r>
-            <a:r>
-              <a:rPr lang="en-US" dirty="0"/>
-              <a:t> Visual Studio </a:t>
-            </a:r>
-            <a:r>
-              <a:rPr lang="uk-UA" dirty="0"/>
-              <a:t>легко інтегрується з </a:t>
-            </a:r>
-            <a:r>
-              <a:rPr lang="en-US" dirty="0"/>
-              <a:t>Unity, </a:t>
-            </a:r>
-            <a:r>
-              <a:rPr lang="uk-UA" dirty="0"/>
-              <a:t>що дозволяє вам швидко редагувати та оновлювати свій код, не виходячи з середовища </a:t>
-            </a:r>
-            <a:r>
-              <a:rPr lang="en-US" dirty="0"/>
-              <a:t>Unity.</a:t>
-            </a:r>
-          </a:p>
-          <a:p>
-            <a:endParaRPr lang="en-US" dirty="0"/>
-          </a:p>
-        </p:txBody>
-      </p:sp>
+              <a:t>C#.</a:t>
+            </a:r>
+          </a:p>
+          <a:p>
+            <a:endParaRPr lang="en-US" dirty="0"/>
+          </a:p>
+        </p:txBody>
+      </p:sp>
+      <p:pic>
+        <p:nvPicPr>
+          <p:cNvPr id="1026" name="Picture 2" descr="Unity logo and symbol, meaning, history, PNG">
+            <a:extLst>
+              <a:ext uri="{FF2B5EF4-FFF2-40B4-BE49-F238E27FC236}">
+                <a16:creationId xmlns:a16="http://schemas.microsoft.com/office/drawing/2014/main" id="{61C1F94C-0040-400A-8BDD-2F7F56F31B85}"/>
+              </a:ext>
+            </a:extLst>
+          </p:cNvPr>
+          <p:cNvPicPr>
+            <a:picLocks noChangeAspect="1" noChangeArrowheads="1"/>
+          </p:cNvPicPr>
+          <p:nvPr/>
+        </p:nvPicPr>
+        <p:blipFill rotWithShape="1">
+          <a:blip r:embed="rId2">
+            <a:extLst>
+              <a:ext uri="{28A0092B-C50C-407E-A947-70E740481C1C}">
+                <a14:useLocalDpi xmlns:a14="http://schemas.microsoft.com/office/drawing/2010/main" val="0"/>
+              </a:ext>
+            </a:extLst>
+          </a:blip>
+          <a:srcRect r="59407"/>
+          <a:stretch/>
+        </p:blipFill>
+        <p:spPr bwMode="auto">
+          <a:xfrm>
+            <a:off x="9647167" y="-234265"/>
+            <a:ext cx="1711713" cy="2371917"/>
+          </a:xfrm>
+          <a:prstGeom prst="rect">
+            <a:avLst/>
+          </a:prstGeom>
+          <a:noFill/>
+          <a:extLst>
+            <a:ext uri="{909E8E84-426E-40DD-AFC4-6F175D3DCCD1}">
+              <a14:hiddenFill xmlns:a14="http://schemas.microsoft.com/office/drawing/2010/main">
+                <a:solidFill>
+                  <a:srgbClr val="FFFFFF"/>
+                </a:solidFill>
+              </a14:hiddenFill>
+            </a:ext>
+          </a:extLst>
+        </p:spPr>
+      </p:pic>
     </p:spTree>
     <p:extLst>
       <p:ext uri="{BB962C8B-B14F-4D97-AF65-F5344CB8AC3E}">
-        <p14:creationId xmlns:p14="http://schemas.microsoft.com/office/powerpoint/2010/main" val="750480900"/>
+        <p14:creationId xmlns:p14="http://schemas.microsoft.com/office/powerpoint/2010/main" val="2819327078"/>
       </p:ext>
     </p:extLst>
   </p:cSld>
@@ -4594,10 +4985,9 @@
           <a:p>
             <a:pPr algn="ctr"/>
             <a:r>
-              <a:rPr lang="uk-UA" dirty="0" smtClean="0"/>
-              <a:t>Ігровий цикл</a:t>
-            </a:r>
-            <a:endParaRPr lang="en-US" dirty="0"/>
+              <a:rPr lang="en-US" dirty="0"/>
+              <a:t>Visual studio</a:t>
+            </a:r>
           </a:p>
         </p:txBody>
       </p:sp>
@@ -4613,29 +5003,189 @@
         </p:nvSpPr>
         <p:spPr/>
         <p:txBody>
-          <a:bodyPr/>
-          <a:lstStyle/>
-          <a:p>
-            <a:r>
-              <a:rPr lang="uk-UA" dirty="0"/>
-              <a:t>Ігровий цикл складається з вступу(де відбудеться введення в історію та </a:t>
+          <a:bodyPr>
+            <a:normAutofit fontScale="92500" lnSpcReduction="10000"/>
+          </a:bodyPr>
+          <a:lstStyle/>
+          <a:p>
+            <a:pPr marL="0" indent="0">
+              <a:buNone/>
+            </a:pPr>
+            <a:r>
+              <a:rPr lang="en-US" dirty="0"/>
+              <a:t>Visual Studio - </a:t>
+            </a:r>
+            <a:r>
+              <a:rPr lang="uk-UA" dirty="0"/>
+              <a:t>це інтегроване середовище розробки</a:t>
+            </a:r>
+            <a:r>
+              <a:rPr lang="en-US" dirty="0"/>
+              <a:t>, </a:t>
+            </a:r>
+            <a:r>
+              <a:rPr lang="uk-UA" dirty="0"/>
+              <a:t>яке використовується для програмування в </a:t>
+            </a:r>
+            <a:r>
+              <a:rPr lang="en-US" dirty="0"/>
+              <a:t>Unity </a:t>
+            </a:r>
+            <a:r>
+              <a:rPr lang="uk-UA" dirty="0"/>
+              <a:t>з використанням мови </a:t>
+            </a:r>
+            <a:r>
+              <a:rPr lang="en-US" dirty="0"/>
+              <a:t>C#. </a:t>
+            </a:r>
+            <a:r>
+              <a:rPr lang="uk-UA" dirty="0"/>
+              <a:t>Основні функції </a:t>
+            </a:r>
+            <a:r>
+              <a:rPr lang="en-US" dirty="0"/>
+              <a:t>Visual Studio </a:t>
+            </a:r>
+            <a:r>
+              <a:rPr lang="uk-UA" dirty="0"/>
+              <a:t>для розробки ігор у </a:t>
+            </a:r>
+            <a:r>
+              <a:rPr lang="en-US" dirty="0"/>
+              <a:t>Unity </a:t>
+            </a:r>
+            <a:r>
+              <a:rPr lang="uk-UA" dirty="0"/>
+              <a:t>включають:</a:t>
+            </a:r>
+          </a:p>
+          <a:p>
+            <a:r>
+              <a:rPr lang="uk-UA" b="1" dirty="0"/>
+              <a:t>Редагування коду:</a:t>
+            </a:r>
+            <a:r>
+              <a:rPr lang="uk-UA" dirty="0"/>
+              <a:t> Ви редагуєте </a:t>
             </a:r>
             <a:r>
               <a:rPr lang="uk-UA" dirty="0" err="1"/>
-              <a:t>туторіал</a:t>
-            </a:r>
-            <a:r>
-              <a:rPr lang="uk-UA" dirty="0"/>
-              <a:t>), дослідження локацій, зіткнень з ворогами та боротьби з босами.</a:t>
-            </a:r>
-            <a:endParaRPr lang="en-US" dirty="0"/>
-          </a:p>
-        </p:txBody>
-      </p:sp>
+              <a:t>скрипти</a:t>
+            </a:r>
+            <a:r>
+              <a:rPr lang="uk-UA" dirty="0"/>
+              <a:t> гри, визначаєте логіку та взаємодію об'єктів у </a:t>
+            </a:r>
+            <a:r>
+              <a:rPr lang="en-US" dirty="0"/>
+              <a:t>Visual Studio.</a:t>
+            </a:r>
+          </a:p>
+          <a:p>
+            <a:r>
+              <a:rPr lang="uk-UA" b="1" dirty="0"/>
+              <a:t>Засоби налагодження:</a:t>
+            </a:r>
+            <a:r>
+              <a:rPr lang="uk-UA" dirty="0"/>
+              <a:t> </a:t>
+            </a:r>
+            <a:r>
+              <a:rPr lang="en-US" dirty="0"/>
+              <a:t>Visual Studio </a:t>
+            </a:r>
+            <a:r>
+              <a:rPr lang="uk-UA" dirty="0"/>
+              <a:t>надає засоби для налагодження вашого коду, що допомагають виявити та виправити помилки.</a:t>
+            </a:r>
+          </a:p>
+          <a:p>
+            <a:r>
+              <a:rPr lang="uk-UA" b="1" dirty="0"/>
+              <a:t>Інтеграція з </a:t>
+            </a:r>
+            <a:r>
+              <a:rPr lang="en-US" b="1" dirty="0"/>
+              <a:t>Unity:</a:t>
+            </a:r>
+            <a:r>
+              <a:rPr lang="en-US" dirty="0"/>
+              <a:t> Visual Studio </a:t>
+            </a:r>
+            <a:r>
+              <a:rPr lang="uk-UA" dirty="0"/>
+              <a:t>легко інтегрується з </a:t>
+            </a:r>
+            <a:r>
+              <a:rPr lang="en-US" dirty="0"/>
+              <a:t>Unity, </a:t>
+            </a:r>
+            <a:r>
+              <a:rPr lang="uk-UA" dirty="0"/>
+              <a:t>що дозволяє вам швидко редагувати та оновлювати свій код, не виходячи з середовища </a:t>
+            </a:r>
+            <a:r>
+              <a:rPr lang="en-US" dirty="0"/>
+              <a:t>Unity.</a:t>
+            </a:r>
+          </a:p>
+          <a:p>
+            <a:endParaRPr lang="en-US" dirty="0"/>
+          </a:p>
+        </p:txBody>
+      </p:sp>
+      <p:pic>
+        <p:nvPicPr>
+          <p:cNvPr id="2050" name="Picture 2">
+            <a:extLst>
+              <a:ext uri="{FF2B5EF4-FFF2-40B4-BE49-F238E27FC236}">
+                <a16:creationId xmlns:a16="http://schemas.microsoft.com/office/drawing/2014/main" id="{14510DB6-240F-4B1E-9BBC-E7D1ADEDB9B3}"/>
+              </a:ext>
+            </a:extLst>
+          </p:cNvPr>
+          <p:cNvPicPr>
+            <a:picLocks noChangeAspect="1" noChangeArrowheads="1"/>
+          </p:cNvPicPr>
+          <p:nvPr/>
+        </p:nvPicPr>
+        <p:blipFill>
+          <a:blip r:embed="rId2">
+            <a:extLst>
+              <a:ext uri="{28A0092B-C50C-407E-A947-70E740481C1C}">
+                <a14:useLocalDpi xmlns:a14="http://schemas.microsoft.com/office/drawing/2010/main" val="0"/>
+              </a:ext>
+            </a:extLst>
+          </a:blip>
+          <a:srcRect/>
+          <a:stretch>
+            <a:fillRect/>
+          </a:stretch>
+        </p:blipFill>
+        <p:spPr bwMode="auto">
+          <a:xfrm>
+            <a:off x="9083040" y="30034"/>
+            <a:ext cx="1823720" cy="1823720"/>
+          </a:xfrm>
+          <a:prstGeom prst="rect">
+            <a:avLst/>
+          </a:prstGeom>
+          <a:noFill/>
+          <a:extLst>
+            <a:ext uri="{909E8E84-426E-40DD-AFC4-6F175D3DCCD1}">
+              <a14:hiddenFill xmlns:a14="http://schemas.microsoft.com/office/drawing/2010/main">
+                <a:solidFill>
+                  <a:srgbClr val="FFFFFF"/>
+                </a:solidFill>
+              </a14:hiddenFill>
+            </a:ext>
+          </a:extLst>
+        </p:spPr>
+      </p:pic>
     </p:spTree>
     <p:extLst>
       <p:ext uri="{BB962C8B-B14F-4D97-AF65-F5344CB8AC3E}">
-        <p14:creationId xmlns:p14="http://schemas.microsoft.com/office/powerpoint/2010/main" val="174947118"/>
+        <p14:creationId xmlns:p14="http://schemas.microsoft.com/office/powerpoint/2010/main" val="750480900"/>
       </p:ext>
     </p:extLst>
   </p:cSld>
@@ -4677,10 +5227,9 @@
           <a:bodyPr/>
           <a:lstStyle/>
           <a:p>
-            <a:pPr algn="ctr"/>
-            <a:r>
-              <a:rPr lang="uk-UA" dirty="0" smtClean="0"/>
-              <a:t>Опис ігрових механік</a:t>
+            <a:r>
+              <a:rPr lang="uk-UA" dirty="0"/>
+              <a:t>Аналіз аналогічного програмного продукту</a:t>
             </a:r>
             <a:endParaRPr lang="en-US" dirty="0"/>
           </a:p>
@@ -4701,96 +5250,70 @@
           <a:bodyPr/>
           <a:lstStyle/>
           <a:p>
-            <a:pPr marL="0" indent="0">
-              <a:buNone/>
-            </a:pPr>
-            <a:r>
-              <a:rPr lang="uk-UA" dirty="0" smtClean="0"/>
-              <a:t>У </a:t>
-            </a:r>
-            <a:r>
-              <a:rPr lang="uk-UA" dirty="0"/>
-              <a:t>грі присутні такі </a:t>
-            </a:r>
-            <a:r>
-              <a:rPr lang="uk-UA" dirty="0" smtClean="0"/>
-              <a:t>механіки</a:t>
-            </a:r>
-            <a:r>
-              <a:rPr lang="en-US" dirty="0" smtClean="0"/>
-              <a:t>:</a:t>
-            </a:r>
-            <a:r>
-              <a:rPr lang="uk-UA" dirty="0" smtClean="0"/>
-              <a:t> </a:t>
-            </a:r>
-          </a:p>
-          <a:p>
-            <a:r>
-              <a:rPr lang="uk-UA" dirty="0" smtClean="0"/>
-              <a:t>Велика </a:t>
-            </a:r>
-            <a:r>
-              <a:rPr lang="uk-UA" dirty="0"/>
-              <a:t>кількість різноманітних головоломок, можливість їх </a:t>
-            </a:r>
-            <a:r>
-              <a:rPr lang="uk-UA" dirty="0" smtClean="0"/>
-              <a:t>проходження декількома способами, які вплинуть на фінал гри. </a:t>
-            </a:r>
-            <a:endParaRPr lang="uk-UA" dirty="0"/>
-          </a:p>
-          <a:p>
-            <a:r>
-              <a:rPr lang="uk-UA" dirty="0" smtClean="0"/>
-              <a:t>Психіка </a:t>
-            </a:r>
-            <a:r>
-              <a:rPr lang="uk-UA" dirty="0"/>
-              <a:t>яка </a:t>
-            </a:r>
-            <a:r>
-              <a:rPr lang="uk-UA" dirty="0" smtClean="0"/>
-              <a:t>погіршується </a:t>
-            </a:r>
-            <a:r>
-              <a:rPr lang="uk-UA" dirty="0"/>
-              <a:t>при небезпечних чи неприємних моментах</a:t>
-            </a:r>
-            <a:r>
-              <a:rPr lang="uk-UA" dirty="0" smtClean="0"/>
-              <a:t>.</a:t>
-            </a:r>
-          </a:p>
-          <a:p>
-            <a:r>
-              <a:rPr lang="uk-UA" dirty="0" smtClean="0"/>
-              <a:t>Можливість </a:t>
-            </a:r>
-            <a:r>
-              <a:rPr lang="uk-UA" dirty="0"/>
-              <a:t>подорожування по локаціям за допомогою дверей </a:t>
+            <a:r>
+              <a:rPr lang="uk-UA" dirty="0"/>
+              <a:t>Серед аналогів можна зазначити </a:t>
+            </a:r>
+            <a:r>
+              <a:rPr lang="uk-UA" dirty="0" err="1"/>
+              <a:t>хоррор</a:t>
+            </a:r>
+            <a:r>
+              <a:rPr lang="uk-UA" dirty="0"/>
+              <a:t>-</a:t>
             </a:r>
             <a:r>
               <a:rPr lang="en-US" dirty="0"/>
-              <a:t>“</a:t>
+              <a:t>RPG “Omori” </a:t>
+            </a:r>
+            <a:r>
+              <a:rPr lang="uk-UA" dirty="0"/>
+              <a:t>та </a:t>
+            </a:r>
+            <a:r>
+              <a:rPr lang="en-US" dirty="0"/>
+              <a:t>survival </a:t>
             </a:r>
             <a:r>
               <a:rPr lang="uk-UA" dirty="0" err="1"/>
-              <a:t>телепортів</a:t>
-            </a:r>
-            <a:r>
-              <a:rPr lang="en-US" dirty="0" smtClean="0"/>
-              <a:t>”</a:t>
-            </a:r>
-            <a:endParaRPr lang="uk-UA" dirty="0"/>
+              <a:t>хоррори</a:t>
+            </a:r>
+            <a:r>
+              <a:rPr lang="en-US" dirty="0"/>
+              <a:t> “Yuppie Psycho”</a:t>
+            </a:r>
+            <a:r>
+              <a:rPr lang="uk-UA" dirty="0"/>
+              <a:t> та  “</a:t>
+            </a:r>
+            <a:r>
+              <a:rPr lang="en-US" dirty="0" err="1"/>
+              <a:t>Yomawari</a:t>
+            </a:r>
+            <a:r>
+              <a:rPr lang="en-US" dirty="0"/>
+              <a:t>: Night Alone”. </a:t>
+            </a:r>
+            <a:r>
+              <a:rPr lang="uk-UA" dirty="0"/>
+              <a:t>Ці ігри мають таємничий похмурий сюжет, зроблені в піксельному чи рисованому стилі, та повністю відповідають жанру </a:t>
+            </a:r>
+            <a:r>
+              <a:rPr lang="uk-UA" dirty="0" err="1"/>
+              <a:t>хоррор</a:t>
+            </a:r>
+            <a:r>
+              <a:rPr lang="uk-UA" dirty="0"/>
+              <a:t>, бо можуть викликати відчуття занепокоєння, тривоги, страху. Розберемо детальніше кожну гру:</a:t>
+            </a:r>
+            <a:endParaRPr lang="en-US" dirty="0"/>
           </a:p>
         </p:txBody>
       </p:sp>
     </p:spTree>
     <p:extLst>
       <p:ext uri="{BB962C8B-B14F-4D97-AF65-F5344CB8AC3E}">
-        <p14:creationId xmlns:p14="http://schemas.microsoft.com/office/powerpoint/2010/main" val="1730321233"/>
+        <p14:creationId xmlns:p14="http://schemas.microsoft.com/office/powerpoint/2010/main" val="3908215469"/>
       </p:ext>
     </p:extLst>
   </p:cSld>
@@ -4833,130 +5356,9 @@
           <a:lstStyle/>
           <a:p>
             <a:r>
-              <a:rPr lang="uk-UA" dirty="0" smtClean="0"/>
-              <a:t>Аналіз аналогічного програмного продукту</a:t>
-            </a:r>
-            <a:endParaRPr lang="en-US" dirty="0"/>
-          </a:p>
-        </p:txBody>
-      </p:sp>
-      <p:sp>
-        <p:nvSpPr>
-          <p:cNvPr id="3" name="Content Placeholder 2"/>
-          <p:cNvSpPr>
-            <a:spLocks noGrp="1"/>
-          </p:cNvSpPr>
-          <p:nvPr>
-            <p:ph idx="1"/>
-          </p:nvPr>
-        </p:nvSpPr>
-        <p:spPr/>
-        <p:txBody>
-          <a:bodyPr/>
-          <a:lstStyle/>
-          <a:p>
-            <a:r>
-              <a:rPr lang="uk-UA" dirty="0" smtClean="0"/>
-              <a:t>Серед аналогів можна зазначити </a:t>
-            </a:r>
-            <a:r>
-              <a:rPr lang="uk-UA" dirty="0" err="1" smtClean="0"/>
-              <a:t>хоррор</a:t>
-            </a:r>
-            <a:r>
-              <a:rPr lang="uk-UA" dirty="0" smtClean="0"/>
-              <a:t>-</a:t>
-            </a:r>
-            <a:r>
-              <a:rPr lang="en-US" dirty="0" smtClean="0"/>
-              <a:t>RPG “Omori” </a:t>
-            </a:r>
-            <a:r>
-              <a:rPr lang="uk-UA" dirty="0" smtClean="0"/>
-              <a:t>та </a:t>
-            </a:r>
-            <a:r>
-              <a:rPr lang="en-US" dirty="0" smtClean="0"/>
-              <a:t>survival horror “Yuppie Psycho”. </a:t>
-            </a:r>
-            <a:r>
-              <a:rPr lang="uk-UA" dirty="0"/>
-              <a:t>Обидві гри мають таємничий похмурий сюжет, зроблені в піксельному стилі, та повністю відповідають жанру </a:t>
-            </a:r>
-            <a:r>
-              <a:rPr lang="uk-UA" dirty="0" err="1"/>
-              <a:t>хоррор</a:t>
-            </a:r>
-            <a:r>
-              <a:rPr lang="uk-UA" dirty="0"/>
-              <a:t>, бо можуть викликати відчуття занепокоєння, </a:t>
-            </a:r>
-            <a:r>
-              <a:rPr lang="uk-UA" dirty="0" smtClean="0"/>
-              <a:t>тривоги</a:t>
-            </a:r>
-            <a:r>
-              <a:rPr lang="uk-UA" dirty="0"/>
-              <a:t>, страху. </a:t>
-            </a:r>
-            <a:r>
-              <a:rPr lang="uk-UA" dirty="0" smtClean="0"/>
-              <a:t>Розберемо детальніше кожну гру</a:t>
-            </a:r>
-            <a:endParaRPr lang="en-US" dirty="0"/>
-          </a:p>
-        </p:txBody>
-      </p:sp>
-    </p:spTree>
-    <p:extLst>
-      <p:ext uri="{BB962C8B-B14F-4D97-AF65-F5344CB8AC3E}">
-        <p14:creationId xmlns:p14="http://schemas.microsoft.com/office/powerpoint/2010/main" val="3908215469"/>
-      </p:ext>
-    </p:extLst>
-  </p:cSld>
-  <p:clrMapOvr>
-    <a:masterClrMapping/>
-  </p:clrMapOvr>
-</p:sld>
-</file>
-
-<file path=ppt/slides/slide7.xml><?xml version="1.0" encoding="utf-8"?>
-<p:sld xmlns:a="http://schemas.openxmlformats.org/drawingml/2006/main" xmlns:r="http://schemas.openxmlformats.org/officeDocument/2006/relationships" xmlns:p="http://schemas.openxmlformats.org/presentationml/2006/main">
-  <p:cSld>
-    <p:spTree>
-      <p:nvGrpSpPr>
-        <p:cNvPr id="1" name=""/>
-        <p:cNvGrpSpPr/>
-        <p:nvPr/>
-      </p:nvGrpSpPr>
-      <p:grpSpPr>
-        <a:xfrm>
-          <a:off x="0" y="0"/>
-          <a:ext cx="0" cy="0"/>
-          <a:chOff x="0" y="0"/>
-          <a:chExt cx="0" cy="0"/>
-        </a:xfrm>
-      </p:grpSpPr>
-      <p:sp>
-        <p:nvSpPr>
-          <p:cNvPr id="2" name="Title 1"/>
-          <p:cNvSpPr>
-            <a:spLocks noGrp="1"/>
-          </p:cNvSpPr>
-          <p:nvPr>
-            <p:ph type="title"/>
-          </p:nvPr>
-        </p:nvSpPr>
-        <p:spPr/>
-        <p:txBody>
-          <a:bodyPr/>
-          <a:lstStyle/>
-          <a:p>
-            <a:r>
-              <a:rPr lang="en-US" dirty="0" smtClean="0"/>
+              <a:rPr lang="en-US" dirty="0"/>
               <a:t>Omori</a:t>
             </a:r>
-            <a:endParaRPr lang="en-US" dirty="0"/>
           </a:p>
         </p:txBody>
       </p:sp>
@@ -4978,7 +5380,7 @@
         </p:spPr>
         <p:txBody>
           <a:bodyPr>
-            <a:normAutofit fontScale="70000" lnSpcReduction="20000"/>
+            <a:normAutofit fontScale="92500" lnSpcReduction="20000"/>
           </a:bodyPr>
           <a:lstStyle/>
           <a:p>
@@ -4986,96 +5388,372 @@
               <a:buNone/>
             </a:pPr>
             <a:r>
-              <a:rPr lang="en-US" dirty="0"/>
+              <a:rPr lang="en-US" sz="1600" dirty="0"/>
               <a:t>"Omori" - </a:t>
             </a:r>
             <a:r>
-              <a:rPr lang="uk-UA" dirty="0"/>
-              <a:t>це японська рольова гра, яка </a:t>
-            </a:r>
-            <a:r>
-              <a:rPr lang="uk-UA" dirty="0" err="1"/>
-              <a:t>випустилася</a:t>
-            </a:r>
-            <a:r>
-              <a:rPr lang="uk-UA" dirty="0"/>
-              <a:t> в 2020 році. Гра розповідає історію хлопчика на ім'я </a:t>
-            </a:r>
-            <a:r>
-              <a:rPr lang="uk-UA" dirty="0" err="1"/>
-              <a:t>Санто</a:t>
-            </a:r>
-            <a:r>
-              <a:rPr lang="uk-UA" dirty="0"/>
-              <a:t>, який живе у двох світах - світі реальності та містичному світі мороку. Головна особливість гри полягає в її психологічних аспектах:</a:t>
-            </a:r>
-          </a:p>
-          <a:p>
-            <a:r>
-              <a:rPr lang="uk-UA" b="1" dirty="0"/>
-              <a:t>Психологічний </a:t>
-            </a:r>
-            <a:r>
-              <a:rPr lang="uk-UA" b="1" dirty="0" err="1"/>
-              <a:t>наратив</a:t>
-            </a:r>
-            <a:r>
-              <a:rPr lang="uk-UA" b="1" dirty="0"/>
-              <a:t>:</a:t>
-            </a:r>
-            <a:r>
-              <a:rPr lang="uk-UA" dirty="0"/>
-              <a:t> "</a:t>
-            </a:r>
-            <a:r>
-              <a:rPr lang="en-US" dirty="0"/>
-              <a:t>Omori" </a:t>
-            </a:r>
-            <a:r>
-              <a:rPr lang="uk-UA" dirty="0"/>
-              <a:t>досліджує теми депресії, самотності, страхів та інших психологічних аспектів через історію головного героя та його </a:t>
-            </a:r>
-            <a:r>
-              <a:rPr lang="uk-UA" dirty="0" smtClean="0"/>
-              <a:t>уявний </a:t>
-            </a:r>
-            <a:r>
-              <a:rPr lang="uk-UA" dirty="0"/>
-              <a:t>світ.</a:t>
-            </a:r>
-          </a:p>
-          <a:p>
-            <a:r>
-              <a:rPr lang="uk-UA" b="1" dirty="0"/>
+              <a:rPr lang="en-US" sz="1600" dirty="0" err="1"/>
+              <a:t>це</a:t>
+            </a:r>
+            <a:r>
+              <a:rPr lang="en-US" sz="1600" dirty="0"/>
+              <a:t> </a:t>
+            </a:r>
+            <a:r>
+              <a:rPr lang="uk-UA" sz="1600" dirty="0"/>
+              <a:t>гра в жанрі </a:t>
+            </a:r>
+            <a:r>
+              <a:rPr lang="uk-UA" sz="1600" dirty="0" err="1"/>
+              <a:t>хоррор</a:t>
+            </a:r>
+            <a:r>
+              <a:rPr lang="uk-UA" sz="1600" dirty="0"/>
+              <a:t>-</a:t>
+            </a:r>
+            <a:r>
+              <a:rPr lang="en-US" sz="1600" dirty="0"/>
+              <a:t>RPG, </a:t>
+            </a:r>
+            <a:r>
+              <a:rPr lang="en-US" sz="1600" dirty="0" err="1"/>
+              <a:t>що</a:t>
+            </a:r>
+            <a:r>
+              <a:rPr lang="en-US" sz="1600" dirty="0"/>
+              <a:t> </a:t>
+            </a:r>
+            <a:r>
+              <a:rPr lang="en-US" sz="1600" dirty="0" err="1"/>
+              <a:t>була</a:t>
+            </a:r>
+            <a:r>
+              <a:rPr lang="en-US" sz="1600" dirty="0"/>
+              <a:t> </a:t>
+            </a:r>
+            <a:r>
+              <a:rPr lang="en-US" sz="1600" dirty="0" err="1"/>
+              <a:t>розроблена</a:t>
+            </a:r>
+            <a:r>
+              <a:rPr lang="en-US" sz="1600" dirty="0"/>
+              <a:t> і </a:t>
+            </a:r>
+            <a:r>
+              <a:rPr lang="en-US" sz="1600" dirty="0" err="1"/>
+              <a:t>опублікована</a:t>
+            </a:r>
+            <a:r>
+              <a:rPr lang="en-US" sz="1600" dirty="0"/>
+              <a:t> </a:t>
+            </a:r>
+            <a:r>
+              <a:rPr lang="en-US" sz="1600" dirty="0" err="1"/>
+              <a:t>інді-студією</a:t>
+            </a:r>
+            <a:r>
+              <a:rPr lang="en-US" sz="1600" dirty="0"/>
+              <a:t> </a:t>
+            </a:r>
+            <a:r>
+              <a:rPr lang="en-US" sz="1600" dirty="0" err="1"/>
+              <a:t>Omocat</a:t>
+            </a:r>
+            <a:r>
+              <a:rPr lang="en-US" sz="1600" dirty="0"/>
+              <a:t>. У </a:t>
+            </a:r>
+            <a:r>
+              <a:rPr lang="en-US" sz="1600" dirty="0" err="1"/>
+              <a:t>ній</a:t>
+            </a:r>
+            <a:r>
+              <a:rPr lang="en-US" sz="1600" dirty="0"/>
+              <a:t> </a:t>
+            </a:r>
+            <a:r>
+              <a:rPr lang="en-US" sz="1600" dirty="0" err="1"/>
+              <a:t>гравець</a:t>
+            </a:r>
+            <a:r>
+              <a:rPr lang="en-US" sz="1600" dirty="0"/>
+              <a:t> </a:t>
+            </a:r>
+            <a:r>
+              <a:rPr lang="uk-UA" sz="1600" dirty="0"/>
+              <a:t>грає за</a:t>
+            </a:r>
+            <a:r>
+              <a:rPr lang="en-US" sz="1600" dirty="0"/>
+              <a:t> </a:t>
+            </a:r>
+            <a:r>
+              <a:rPr lang="en-US" sz="1600" dirty="0" err="1"/>
+              <a:t>хлопчика</a:t>
+            </a:r>
+            <a:r>
+              <a:rPr lang="en-US" sz="1600" dirty="0"/>
+              <a:t> </a:t>
+            </a:r>
+            <a:r>
+              <a:rPr lang="en-US" sz="1600" dirty="0" err="1"/>
+              <a:t>на</a:t>
+            </a:r>
+            <a:r>
+              <a:rPr lang="en-US" sz="1600" dirty="0"/>
+              <a:t> </a:t>
+            </a:r>
+            <a:r>
+              <a:rPr lang="en-US" sz="1600" dirty="0" err="1"/>
+              <a:t>ім`я</a:t>
+            </a:r>
+            <a:r>
+              <a:rPr lang="en-US" sz="1600" dirty="0"/>
+              <a:t> </a:t>
+            </a:r>
+            <a:r>
+              <a:rPr lang="en-US" sz="1600" dirty="0" err="1"/>
+              <a:t>Санні</a:t>
+            </a:r>
+            <a:r>
+              <a:rPr lang="en-US" sz="1600" dirty="0"/>
+              <a:t>, </a:t>
+            </a:r>
+            <a:r>
+              <a:rPr lang="en-US" sz="1600" dirty="0" err="1"/>
+              <a:t>та</a:t>
+            </a:r>
+            <a:r>
+              <a:rPr lang="en-US" sz="1600" dirty="0"/>
+              <a:t> </a:t>
+            </a:r>
+            <a:r>
+              <a:rPr lang="en-US" sz="1600" dirty="0" err="1"/>
+              <a:t>його</a:t>
+            </a:r>
+            <a:r>
+              <a:rPr lang="en-US" sz="1600" dirty="0"/>
+              <a:t> </a:t>
+            </a:r>
+            <a:r>
+              <a:rPr lang="en-US" sz="1600" dirty="0" err="1"/>
+              <a:t>альтер-еґо</a:t>
+            </a:r>
+            <a:r>
+              <a:rPr lang="uk-UA" sz="1600" dirty="0"/>
+              <a:t>(</a:t>
+            </a:r>
+            <a:r>
+              <a:rPr lang="uk-UA" sz="1600" dirty="0" err="1"/>
+              <a:t>Оморі</a:t>
+            </a:r>
+            <a:r>
+              <a:rPr lang="uk-UA" sz="1600" dirty="0"/>
+              <a:t>)</a:t>
+            </a:r>
+            <a:r>
+              <a:rPr lang="en-US" sz="1600" dirty="0"/>
+              <a:t> </a:t>
+            </a:r>
+            <a:r>
+              <a:rPr lang="en-US" sz="1600" dirty="0" err="1"/>
+              <a:t>зі</a:t>
+            </a:r>
+            <a:r>
+              <a:rPr lang="en-US" sz="1600" dirty="0"/>
+              <a:t> </a:t>
+            </a:r>
+            <a:r>
+              <a:rPr lang="en-US" sz="1600" dirty="0" err="1"/>
+              <a:t>світу</a:t>
+            </a:r>
+            <a:r>
+              <a:rPr lang="en-US" sz="1600" dirty="0"/>
+              <a:t> </a:t>
+            </a:r>
+            <a:r>
+              <a:rPr lang="en-US" sz="1600" dirty="0" err="1"/>
+              <a:t>снів</a:t>
+            </a:r>
+            <a:r>
+              <a:rPr lang="en-US" sz="1600" dirty="0"/>
+              <a:t>. </a:t>
+            </a:r>
+            <a:r>
+              <a:rPr lang="en-US" sz="1600" dirty="0" err="1"/>
+              <a:t>Гравець</a:t>
+            </a:r>
+            <a:r>
+              <a:rPr lang="en-US" sz="1600" dirty="0"/>
+              <a:t> </a:t>
+            </a:r>
+            <a:r>
+              <a:rPr lang="en-US" sz="1600" dirty="0" err="1"/>
+              <a:t>може</a:t>
+            </a:r>
+            <a:r>
+              <a:rPr lang="en-US" sz="1600" dirty="0"/>
+              <a:t> </a:t>
+            </a:r>
+            <a:r>
+              <a:rPr lang="en-US" sz="1600" dirty="0" err="1"/>
+              <a:t>досліджувати</a:t>
+            </a:r>
+            <a:r>
+              <a:rPr lang="en-US" sz="1600" dirty="0"/>
+              <a:t> </a:t>
+            </a:r>
+            <a:r>
+              <a:rPr lang="en-US" sz="1600" dirty="0" err="1"/>
+              <a:t>два</a:t>
+            </a:r>
+            <a:r>
+              <a:rPr lang="en-US" sz="1600" dirty="0"/>
+              <a:t> </a:t>
+            </a:r>
+            <a:r>
+              <a:rPr lang="en-US" sz="1600" dirty="0" err="1"/>
+              <a:t>світи</a:t>
+            </a:r>
+            <a:r>
+              <a:rPr lang="en-US" sz="1600" dirty="0"/>
+              <a:t>, </a:t>
+            </a:r>
+            <a:r>
+              <a:rPr lang="en-US" sz="1600" dirty="0" err="1"/>
+              <a:t>що</a:t>
+            </a:r>
+            <a:r>
+              <a:rPr lang="en-US" sz="1600" dirty="0"/>
+              <a:t> </a:t>
+            </a:r>
+            <a:r>
+              <a:rPr lang="en-US" sz="1600" dirty="0" err="1"/>
+              <a:t>існують</a:t>
+            </a:r>
+            <a:r>
+              <a:rPr lang="en-US" sz="1600" dirty="0"/>
+              <a:t> у </a:t>
+            </a:r>
+            <a:r>
+              <a:rPr lang="en-US" sz="1600" dirty="0" err="1"/>
+              <a:t>грі</a:t>
+            </a:r>
+            <a:r>
+              <a:rPr lang="en-US" sz="1600" dirty="0"/>
+              <a:t> - </a:t>
+            </a:r>
+            <a:r>
+              <a:rPr lang="en-US" sz="1600" dirty="0" err="1"/>
+              <a:t>реальний</a:t>
+            </a:r>
+            <a:r>
+              <a:rPr lang="en-US" sz="1600" dirty="0"/>
+              <a:t> </a:t>
+            </a:r>
+            <a:r>
+              <a:rPr lang="en-US" sz="1600" dirty="0" err="1"/>
+              <a:t>світ</a:t>
+            </a:r>
+            <a:r>
+              <a:rPr lang="en-US" sz="1600" dirty="0"/>
+              <a:t>, а </a:t>
+            </a:r>
+            <a:r>
+              <a:rPr lang="en-US" sz="1600" dirty="0" err="1"/>
+              <a:t>також</a:t>
+            </a:r>
+            <a:r>
+              <a:rPr lang="en-US" sz="1600" dirty="0"/>
+              <a:t> </a:t>
+            </a:r>
+            <a:r>
+              <a:rPr lang="en-US" sz="1600" dirty="0" err="1"/>
+              <a:t>світ</a:t>
+            </a:r>
+            <a:r>
+              <a:rPr lang="en-US" sz="1600" dirty="0"/>
+              <a:t> </a:t>
+            </a:r>
+            <a:r>
+              <a:rPr lang="en-US" sz="1600" dirty="0" err="1"/>
+              <a:t>снів</a:t>
+            </a:r>
+            <a:r>
+              <a:rPr lang="en-US" sz="1600" dirty="0"/>
+              <a:t> </a:t>
+            </a:r>
+            <a:r>
+              <a:rPr lang="en-US" sz="1600" dirty="0" err="1"/>
+              <a:t>від</a:t>
+            </a:r>
+            <a:r>
+              <a:rPr lang="en-US" sz="1600" dirty="0"/>
+              <a:t> </a:t>
+            </a:r>
+            <a:r>
+              <a:rPr lang="en-US" sz="1600" dirty="0" err="1"/>
+              <a:t>обличчя</a:t>
+            </a:r>
+            <a:r>
+              <a:rPr lang="en-US" sz="1600" dirty="0"/>
+              <a:t> </a:t>
+            </a:r>
+            <a:r>
+              <a:rPr lang="en-US" sz="1600" dirty="0" err="1"/>
+              <a:t>Оморі</a:t>
+            </a:r>
+            <a:r>
+              <a:rPr lang="uk-UA" sz="1600" dirty="0"/>
+              <a:t>.</a:t>
+            </a:r>
+            <a:r>
+              <a:rPr lang="en-US" sz="1600" dirty="0"/>
+              <a:t> </a:t>
+            </a:r>
+            <a:r>
+              <a:rPr lang="uk-UA" sz="1600" dirty="0"/>
+              <a:t>Особливості гри:</a:t>
+            </a:r>
+          </a:p>
+          <a:p>
+            <a:r>
+              <a:rPr lang="uk-UA" sz="1600" b="1" dirty="0"/>
+              <a:t>Психологічний підтекст:</a:t>
+            </a:r>
+            <a:r>
+              <a:rPr lang="uk-UA" sz="1600" dirty="0"/>
+              <a:t> Гра досліджує теми депресії, самотності, страхів та інших психологічних аспектів через історію головного героя та його уявний світ.</a:t>
+            </a:r>
+          </a:p>
+          <a:p>
+            <a:r>
+              <a:rPr lang="uk-UA" sz="1600" b="1" dirty="0"/>
               <a:t>Сюжетні та графічні зміни:</a:t>
             </a:r>
             <a:r>
-              <a:rPr lang="uk-UA" dirty="0"/>
-              <a:t> Гра має свою унікальну арт-стилістику та здатність змінювати свою атмосферу, що відображає стан головного героя та його емоційний досвід.</a:t>
-            </a:r>
-          </a:p>
-          <a:p>
-            <a:r>
-              <a:rPr lang="uk-UA" b="1" dirty="0"/>
-              <a:t>Психологічний тиск:</a:t>
-            </a:r>
-            <a:r>
-              <a:rPr lang="uk-UA" dirty="0"/>
-              <a:t> Гравці вимушені приймати важкі рішення, які впливають на кінцівку гри, і вивчати темні аспекти психіки головного героя.</a:t>
-            </a:r>
-          </a:p>
-          <a:p>
-            <a:r>
-              <a:rPr lang="uk-UA" b="1" dirty="0"/>
-              <a:t>Моральні вибори:</a:t>
-            </a:r>
-            <a:r>
-              <a:rPr lang="uk-UA" dirty="0"/>
-              <a:t> Гра ставить гравців перед психологічними випробуваннями та запитаннями, які стосуються моральних цінностей та почуттів відповідальності.</a:t>
-            </a:r>
-          </a:p>
-          <a:p>
-            <a:endParaRPr lang="en-US" dirty="0"/>
+              <a:rPr lang="uk-UA" sz="1600" dirty="0"/>
+              <a:t> Атмосфера та ігровий світ поступово змінюються, що відображає стан головного героя та його емоційний ріст.</a:t>
+            </a:r>
+          </a:p>
+          <a:p>
+            <a:pPr lvl="0"/>
+            <a:r>
+              <a:rPr lang="uk-UA" sz="1600" b="1" dirty="0"/>
+              <a:t>Настрій персонажів: </a:t>
+            </a:r>
+            <a:r>
+              <a:rPr lang="uk-UA" sz="1600" dirty="0"/>
+              <a:t>Персонажі в бою можуть перейти в стан радості, злості, суму, переляку, кожна емоція має три ступені сили та впливає як на характеристики, так і на ігровий процес </a:t>
+            </a:r>
+            <a:r>
+              <a:rPr lang="uk-UA" sz="1600" dirty="0" err="1"/>
+              <a:t>вцілому</a:t>
+            </a:r>
+            <a:r>
+              <a:rPr lang="uk-UA" sz="1600" dirty="0"/>
+              <a:t>.</a:t>
+            </a:r>
           </a:p>
         </p:txBody>
       </p:sp>
@@ -5174,7 +5852,7 @@
 </p:sld>
 </file>
 
-<file path=ppt/slides/slide8.xml><?xml version="1.0" encoding="utf-8"?>
+<file path=ppt/slides/slide7.xml><?xml version="1.0" encoding="utf-8"?>
 <p:sld xmlns:a="http://schemas.openxmlformats.org/drawingml/2006/main" xmlns:r="http://schemas.openxmlformats.org/officeDocument/2006/relationships" xmlns:p="http://schemas.openxmlformats.org/presentationml/2006/main">
   <p:cSld>
     <p:spTree>
@@ -5209,7 +5887,7 @@
         </p:spPr>
         <p:txBody>
           <a:bodyPr>
-            <a:normAutofit fontScale="62500" lnSpcReduction="20000"/>
+            <a:normAutofit/>
           </a:bodyPr>
           <a:lstStyle/>
           <a:p>
@@ -5217,174 +5895,134 @@
               <a:buNone/>
             </a:pPr>
             <a:r>
+              <a:rPr lang="en-US" sz="1500" dirty="0"/>
+              <a:t>"Yuppie Psycho" - </a:t>
+            </a:r>
+            <a:r>
+              <a:rPr lang="uk-UA" sz="1500" dirty="0"/>
+              <a:t>це психологічний </a:t>
+            </a:r>
+            <a:r>
+              <a:rPr lang="uk-UA" sz="1500" dirty="0" err="1"/>
+              <a:t>хоррор</a:t>
+            </a:r>
+            <a:r>
+              <a:rPr lang="uk-UA" sz="1500" dirty="0"/>
+              <a:t> від студії </a:t>
+            </a:r>
+            <a:r>
+              <a:rPr lang="en-US" sz="1500" dirty="0"/>
+              <a:t>Baroque Decay, </a:t>
+            </a:r>
+            <a:r>
+              <a:rPr lang="uk-UA" sz="1500" dirty="0"/>
+              <a:t>що вийшов у 2019 році.</a:t>
+            </a:r>
+            <a:r>
+              <a:rPr lang="en-US" sz="1500" dirty="0"/>
+              <a:t> </a:t>
+            </a:r>
+            <a:r>
+              <a:rPr lang="uk-UA" sz="1500" dirty="0"/>
+              <a:t>Гравець у </a:t>
+            </a:r>
+            <a:r>
+              <a:rPr lang="en-US" sz="1500" dirty="0"/>
+              <a:t> </a:t>
+            </a:r>
+            <a:r>
+              <a:rPr lang="uk-UA" sz="1500" dirty="0"/>
+              <a:t>бере на себе роль Брайана </a:t>
+            </a:r>
+            <a:r>
+              <a:rPr lang="uk-UA" sz="1500" dirty="0" err="1"/>
+              <a:t>Пастернака</a:t>
+            </a:r>
+            <a:r>
+              <a:rPr lang="uk-UA" sz="1500" dirty="0"/>
+              <a:t>, звичайного хлопця, </a:t>
+            </a:r>
+            <a:r>
+              <a:rPr lang="en-US" sz="1500" dirty="0" err="1"/>
+              <a:t>якого</a:t>
+            </a:r>
+            <a:r>
+              <a:rPr lang="en-US" sz="1500" dirty="0"/>
+              <a:t> </a:t>
+            </a:r>
+            <a:r>
+              <a:rPr lang="en-US" sz="1500" dirty="0" err="1"/>
+              <a:t>наймають</a:t>
+            </a:r>
+            <a:r>
+              <a:rPr lang="en-US" sz="1500" dirty="0"/>
+              <a:t> у </a:t>
+            </a:r>
+            <a:r>
+              <a:rPr lang="uk-UA" sz="1500" dirty="0"/>
+              <a:t>престижну компанію. Його завдання – вислідити та вбити відьму, що руйнує компанію зсередини. Особливості гри:</a:t>
+            </a:r>
+            <a:endParaRPr lang="en-US" sz="1500" dirty="0"/>
+          </a:p>
+          <a:p>
+            <a:r>
+              <a:rPr lang="uk-UA" sz="1500" b="1" dirty="0"/>
+              <a:t>Атмосфера напруження:</a:t>
+            </a:r>
+            <a:r>
+              <a:rPr lang="uk-UA" sz="1500" dirty="0"/>
+              <a:t> Гравець досліджує специфічне робоче середовище, наповнене незвичними подіями та загадками. Спілкування з колегами і керівництвом може бути напруженим і навіть </a:t>
+            </a:r>
+            <a:r>
+              <a:rPr lang="uk-UA" sz="1500" dirty="0" err="1"/>
+              <a:t>лякаючим</a:t>
+            </a:r>
+            <a:r>
+              <a:rPr lang="uk-UA" sz="1500" dirty="0"/>
+              <a:t>.</a:t>
+            </a:r>
+          </a:p>
+          <a:p>
+            <a:r>
+              <a:rPr lang="uk-UA" sz="1500" b="1" dirty="0"/>
+              <a:t>Елементи психологічного тиску:</a:t>
+            </a:r>
+            <a:r>
+              <a:rPr lang="uk-UA" sz="1500" dirty="0"/>
+              <a:t> Гравець повинен приймати рішення, які впливають на подальший розвиток сюжету, а також на його персональний стан та відносини з персонажами.</a:t>
+            </a:r>
+          </a:p>
+          <a:p>
+            <a:r>
+              <a:rPr lang="uk-UA" sz="1500" b="1" dirty="0"/>
+              <a:t>Загадки та головоломки:</a:t>
+            </a:r>
+            <a:r>
+              <a:rPr lang="uk-UA" sz="1500" dirty="0"/>
+              <a:t> Гра включає в себе складні головоломки, які вимагають логічного мислення та кмітливості від гравця,  деякі з них обмежені в  часі, що додає напруження.</a:t>
+            </a:r>
+          </a:p>
+        </p:txBody>
+      </p:sp>
+      <p:sp>
+        <p:nvSpPr>
+          <p:cNvPr id="5" name="Title 4"/>
+          <p:cNvSpPr>
+            <a:spLocks noGrp="1"/>
+          </p:cNvSpPr>
+          <p:nvPr>
+            <p:ph type="title"/>
+          </p:nvPr>
+        </p:nvSpPr>
+        <p:spPr/>
+        <p:txBody>
+          <a:bodyPr/>
+          <a:lstStyle/>
+          <a:p>
+            <a:r>
               <a:rPr lang="en-US" dirty="0"/>
-              <a:t>"Yuppie Psycho" - </a:t>
-            </a:r>
-            <a:r>
-              <a:rPr lang="uk-UA" dirty="0"/>
-              <a:t>це психологічний </a:t>
-            </a:r>
-            <a:r>
-              <a:rPr lang="uk-UA" dirty="0" err="1"/>
-              <a:t>хоррор</a:t>
-            </a:r>
-            <a:r>
-              <a:rPr lang="uk-UA" dirty="0"/>
-              <a:t> від студії </a:t>
-            </a:r>
-            <a:r>
-              <a:rPr lang="en-US" dirty="0"/>
-              <a:t>Baroque Decay, </a:t>
-            </a:r>
-            <a:r>
-              <a:rPr lang="uk-UA" dirty="0"/>
-              <a:t>що вийшов у 2019 році</a:t>
-            </a:r>
-            <a:r>
-              <a:rPr lang="uk-UA" dirty="0" smtClean="0"/>
-              <a:t>.</a:t>
-            </a:r>
-            <a:r>
-              <a:rPr lang="en-US" dirty="0" smtClean="0"/>
-              <a:t> </a:t>
-            </a:r>
-            <a:r>
-              <a:rPr lang="uk-UA" dirty="0"/>
-              <a:t>Гравець у </a:t>
-            </a:r>
-            <a:r>
-              <a:rPr lang="en-US" dirty="0" smtClean="0"/>
-              <a:t> </a:t>
-            </a:r>
-            <a:r>
-              <a:rPr lang="uk-UA" dirty="0" smtClean="0"/>
-              <a:t>бере </a:t>
-            </a:r>
-            <a:r>
-              <a:rPr lang="uk-UA" dirty="0"/>
-              <a:t>на себе роль </a:t>
-            </a:r>
-            <a:r>
-              <a:rPr lang="uk-UA" dirty="0" err="1"/>
-              <a:t>Брайана</a:t>
-            </a:r>
-            <a:r>
-              <a:rPr lang="uk-UA" dirty="0"/>
-              <a:t> </a:t>
-            </a:r>
-            <a:r>
-              <a:rPr lang="uk-UA" dirty="0" err="1"/>
-              <a:t>Пастрікова</a:t>
-            </a:r>
-            <a:r>
-              <a:rPr lang="uk-UA" dirty="0"/>
-              <a:t>, який невдало намагається влаштуватися на роботу в таємничу компанію </a:t>
-            </a:r>
-            <a:r>
-              <a:rPr lang="en-US" dirty="0" err="1"/>
-              <a:t>Sintracorp</a:t>
-            </a:r>
-            <a:r>
-              <a:rPr lang="en-US" dirty="0"/>
-              <a:t>. </a:t>
-            </a:r>
-            <a:r>
-              <a:rPr lang="uk-UA" dirty="0"/>
-              <a:t>Проте, виявляється, що ця компанія приховує відомості про загадкового керівника, відомого як "Керуючий директор", і навколишнє оточення компанії стає недружелюбним і чудернацьким</a:t>
-            </a:r>
-            <a:r>
-              <a:rPr lang="uk-UA" dirty="0" smtClean="0"/>
-              <a:t>.</a:t>
-            </a:r>
-            <a:r>
-              <a:rPr lang="uk-UA" dirty="0"/>
-              <a:t> Чому це психологічний </a:t>
-            </a:r>
-            <a:r>
-              <a:rPr lang="uk-UA" dirty="0" err="1"/>
-              <a:t>хоррор</a:t>
-            </a:r>
-            <a:r>
-              <a:rPr lang="uk-UA" dirty="0" smtClean="0"/>
-              <a:t>:</a:t>
-            </a:r>
-            <a:endParaRPr lang="en-US" dirty="0" smtClean="0"/>
-          </a:p>
-          <a:p>
-            <a:r>
-              <a:rPr lang="uk-UA" b="1" dirty="0"/>
-              <a:t>Атмосфера напруження:</a:t>
-            </a:r>
-            <a:r>
-              <a:rPr lang="uk-UA" dirty="0"/>
-              <a:t> Гравець досліджує специфічне робоче середовище, наповнене незвичними подіями та загадками. Спілкування з колегами і керівництвом може бути напруженим і навіть </a:t>
-            </a:r>
-            <a:r>
-              <a:rPr lang="uk-UA" dirty="0" err="1"/>
-              <a:t>пугачевим</a:t>
-            </a:r>
-            <a:r>
-              <a:rPr lang="uk-UA" dirty="0"/>
-              <a:t>.</a:t>
-            </a:r>
-          </a:p>
-          <a:p>
-            <a:r>
-              <a:rPr lang="uk-UA" b="1" dirty="0"/>
-              <a:t>Елементи психологічного тиску:</a:t>
-            </a:r>
-            <a:r>
-              <a:rPr lang="uk-UA" dirty="0"/>
-              <a:t> Гравець повинен приймати рішення, які впливають на подальший розвиток сюжету, а також на його персональний стан та відносини з персонажами.</a:t>
-            </a:r>
-          </a:p>
-          <a:p>
-            <a:r>
-              <a:rPr lang="uk-UA" b="1" dirty="0"/>
-              <a:t>Загадки та головоломки:</a:t>
-            </a:r>
-            <a:r>
-              <a:rPr lang="uk-UA" dirty="0"/>
-              <a:t> Гра включає в себе складні головоломки, які вимагають логічного мислення та кмітливості від гравця, що додає до атмосфери напруження.</a:t>
-            </a:r>
-          </a:p>
-          <a:p>
-            <a:r>
-              <a:rPr lang="uk-UA" b="1" dirty="0"/>
-              <a:t>Мистецтво зміни реальності:</a:t>
-            </a:r>
-            <a:r>
-              <a:rPr lang="uk-UA" dirty="0"/>
-              <a:t> Гра експериментує з реальністю та сюжетом, створюючи навколишнє середовище, що може змінюватися в неочікувані способи</a:t>
-            </a:r>
-            <a:r>
-              <a:rPr lang="uk-UA" dirty="0" smtClean="0"/>
-              <a:t>.</a:t>
-            </a:r>
-            <a:endParaRPr lang="uk-UA" dirty="0"/>
-          </a:p>
-        </p:txBody>
-      </p:sp>
-      <p:sp>
-        <p:nvSpPr>
-          <p:cNvPr id="5" name="Title 4"/>
-          <p:cNvSpPr>
-            <a:spLocks noGrp="1"/>
-          </p:cNvSpPr>
-          <p:nvPr>
-            <p:ph type="title"/>
-          </p:nvPr>
-        </p:nvSpPr>
-        <p:spPr/>
-        <p:txBody>
-          <a:bodyPr/>
-          <a:lstStyle/>
-          <a:p>
-            <a:r>
-              <a:rPr lang="en-US" dirty="0" smtClean="0"/>
               <a:t>Yuppie psycho</a:t>
             </a:r>
-            <a:endParaRPr lang="en-US" dirty="0"/>
           </a:p>
         </p:txBody>
       </p:sp>
@@ -5483,7 +6121,7 @@
 </p:sld>
 </file>
 
-<file path=ppt/slides/slide9.xml><?xml version="1.0" encoding="utf-8"?>
+<file path=ppt/slides/slide8.xml><?xml version="1.0" encoding="utf-8"?>
 <p:sld xmlns:a="http://schemas.openxmlformats.org/drawingml/2006/main" xmlns:r="http://schemas.openxmlformats.org/officeDocument/2006/relationships" xmlns:p="http://schemas.openxmlformats.org/presentationml/2006/main">
   <p:cSld>
     <p:spTree>
@@ -5528,7 +6166,6 @@
               <a:rPr lang="en-US" dirty="0"/>
               <a:t>: Night Alone</a:t>
             </a:r>
-            <a:endParaRPr lang="en-US" dirty="0"/>
           </a:p>
         </p:txBody>
       </p:sp>
@@ -5583,81 +6220,21 @@
             </a:r>
             <a:r>
               <a:rPr lang="en-US" dirty="0"/>
-              <a:t> Software</a:t>
-            </a:r>
-            <a:r>
-              <a:rPr lang="en-US" dirty="0" smtClean="0"/>
-              <a:t>.</a:t>
-            </a:r>
-            <a:r>
-              <a:rPr lang="uk-UA" dirty="0" smtClean="0"/>
-              <a:t> </a:t>
-            </a:r>
-            <a:r>
-              <a:rPr lang="uk-UA" dirty="0"/>
-              <a:t>Гра розповідає історію молодої дівчинки, яка відправляється в пошуках </a:t>
-            </a:r>
-            <a:r>
-              <a:rPr lang="uk-UA" dirty="0" smtClean="0"/>
-              <a:t>своєї втраченої сестрички </a:t>
-            </a:r>
-            <a:r>
-              <a:rPr lang="uk-UA" dirty="0"/>
-              <a:t>і </a:t>
-            </a:r>
-            <a:r>
-              <a:rPr lang="uk-UA" dirty="0" smtClean="0"/>
-              <a:t>своєї собаки в </a:t>
-            </a:r>
-            <a:r>
-              <a:rPr lang="uk-UA" dirty="0"/>
-              <a:t>потемках нічного міста. На жаль, місто наповнене надприродними створіннями </a:t>
-            </a:r>
-            <a:r>
-              <a:rPr lang="uk-UA" dirty="0" smtClean="0"/>
-              <a:t>та, </a:t>
-            </a:r>
-            <a:r>
-              <a:rPr lang="uk-UA" dirty="0"/>
-              <a:t>які підстерігають її на кожному кроці</a:t>
-            </a:r>
-            <a:r>
-              <a:rPr lang="uk-UA" dirty="0" smtClean="0"/>
-              <a:t>.</a:t>
+              <a:t> Software.</a:t>
+            </a:r>
+            <a:r>
+              <a:rPr lang="uk-UA" dirty="0"/>
+              <a:t> Гра розповідає історію молодої дівчинки, яка відправляється в пошуках своєї втраченої сестрички і своєї собаки в потемках нічного міста. На жаль, місто наповнене надприродними створіннями та, які підстерігають її на кожному кроці.</a:t>
             </a:r>
           </a:p>
           <a:p>
             <a:r>
               <a:rPr lang="uk-UA" b="1" dirty="0"/>
-              <a:t>Атмосфера і </a:t>
-            </a:r>
-            <a:r>
-              <a:rPr lang="uk-UA" b="1" dirty="0" err="1"/>
-              <a:t>геймплей</a:t>
-            </a:r>
-            <a:r>
-              <a:rPr lang="uk-UA" b="1" dirty="0"/>
-              <a:t>:</a:t>
-            </a:r>
-            <a:r>
-              <a:rPr lang="uk-UA" dirty="0"/>
-              <a:t> Гра створює відчуття беззахисності та страху завдяки атмосфері ночі і відмінному використанню світла та темряви. Гравцю </a:t>
-            </a:r>
-            <a:r>
-              <a:rPr lang="uk-UA" dirty="0" smtClean="0"/>
-              <a:t>потрібно </a:t>
-            </a:r>
-            <a:r>
-              <a:rPr lang="uk-UA" dirty="0"/>
-              <a:t>долати небезпеку, використовуючи свій </a:t>
-            </a:r>
-            <a:r>
-              <a:rPr lang="uk-UA" dirty="0" smtClean="0"/>
-              <a:t>ліхтарик </a:t>
-            </a:r>
-            <a:r>
-              <a:rPr lang="uk-UA" dirty="0"/>
-              <a:t>і уникаючи зустрічей з небажаними створіннями.</a:t>
+              <a:t>Атмосфера і геймплей:</a:t>
+            </a:r>
+            <a:r>
+              <a:rPr lang="uk-UA" dirty="0"/>
+              <a:t> Гра створює відчуття беззахисності та страху завдяки атмосфері моторошного нічного міста і відмінному використанню світла та темряви. Гравцю потрібно рухатись в темряві, використовуючи свій ліхтарик і уникаючи зустрічей з небажаними створіннями.</a:t>
             </a:r>
           </a:p>
           <a:p>
@@ -5667,15 +6244,7 @@
             </a:r>
             <a:r>
               <a:rPr lang="uk-UA" dirty="0"/>
-              <a:t> Головоломки та завдання в грі часто вимагають гравцю </a:t>
-            </a:r>
-            <a:r>
-              <a:rPr lang="uk-UA" dirty="0" smtClean="0"/>
-              <a:t>проявити </a:t>
-            </a:r>
-            <a:r>
-              <a:rPr lang="uk-UA" dirty="0"/>
-              <a:t>розум, дотримуватися безпеки та використовувати об'єкти навколо для вирішення загадок та руху вперед у пошуках сестри.</a:t>
+              <a:t> Головоломки та завдання в грі часто вимагають гравцю проявити розум, дотримуватися безпеки та використовувати об'єкти навколо для вирішення загадок та руху вперед у пошуках сестри.</a:t>
             </a:r>
           </a:p>
           <a:p>
@@ -5685,14 +6254,14 @@
             </a:r>
             <a:r>
               <a:rPr lang="uk-UA" dirty="0"/>
-              <a:t> Звуковий дизайн та музика гри підсилюють атмосферу жаху, надаючи ще більше напруження та страху під час гри.</a:t>
+              <a:t> Звуковий дизайн та музика гри підсилюють атмосферу жаху, надаючи ще більше напруження під час гри.</a:t>
             </a:r>
           </a:p>
           <a:p>
             <a:pPr marL="0" indent="0">
               <a:buNone/>
             </a:pPr>
-            <a:endParaRPr lang="uk-UA" dirty="0" smtClean="0"/>
+            <a:endParaRPr lang="uk-UA" dirty="0"/>
           </a:p>
           <a:p>
             <a:endParaRPr lang="en-US" dirty="0"/>
@@ -5785,6 +6354,118 @@
     <p:extLst>
       <p:ext uri="{BB962C8B-B14F-4D97-AF65-F5344CB8AC3E}">
         <p14:creationId xmlns:p14="http://schemas.microsoft.com/office/powerpoint/2010/main" val="1536376412"/>
+      </p:ext>
+    </p:extLst>
+  </p:cSld>
+  <p:clrMapOvr>
+    <a:masterClrMapping/>
+  </p:clrMapOvr>
+</p:sld>
+</file>
+
+<file path=ppt/slides/slide9.xml><?xml version="1.0" encoding="utf-8"?>
+<p:sld xmlns:a="http://schemas.openxmlformats.org/drawingml/2006/main" xmlns:r="http://schemas.openxmlformats.org/officeDocument/2006/relationships" xmlns:p="http://schemas.openxmlformats.org/presentationml/2006/main">
+  <p:cSld>
+    <p:spTree>
+      <p:nvGrpSpPr>
+        <p:cNvPr id="1" name=""/>
+        <p:cNvGrpSpPr/>
+        <p:nvPr/>
+      </p:nvGrpSpPr>
+      <p:grpSpPr>
+        <a:xfrm>
+          <a:off x="0" y="0"/>
+          <a:ext cx="0" cy="0"/>
+          <a:chOff x="0" y="0"/>
+          <a:chExt cx="0" cy="0"/>
+        </a:xfrm>
+      </p:grpSpPr>
+      <p:sp>
+        <p:nvSpPr>
+          <p:cNvPr id="2" name="Title 1"/>
+          <p:cNvSpPr>
+            <a:spLocks noGrp="1"/>
+          </p:cNvSpPr>
+          <p:nvPr>
+            <p:ph type="title"/>
+          </p:nvPr>
+        </p:nvSpPr>
+        <p:spPr/>
+        <p:txBody>
+          <a:bodyPr/>
+          <a:lstStyle/>
+          <a:p>
+            <a:r>
+              <a:rPr lang="uk-UA" dirty="0"/>
+              <a:t>Контент</a:t>
+            </a:r>
+            <a:endParaRPr lang="en-US" dirty="0"/>
+          </a:p>
+        </p:txBody>
+      </p:sp>
+      <p:sp>
+        <p:nvSpPr>
+          <p:cNvPr id="3" name="Content Placeholder 2"/>
+          <p:cNvSpPr>
+            <a:spLocks noGrp="1"/>
+          </p:cNvSpPr>
+          <p:nvPr>
+            <p:ph idx="1"/>
+          </p:nvPr>
+        </p:nvSpPr>
+        <p:spPr/>
+        <p:txBody>
+          <a:bodyPr/>
+          <a:lstStyle/>
+          <a:p>
+            <a:r>
+              <a:rPr lang="uk-UA" dirty="0" err="1"/>
+              <a:t>Розв</a:t>
+            </a:r>
+            <a:r>
+              <a:rPr lang="en-US" dirty="0"/>
+              <a:t>’</a:t>
+            </a:r>
+            <a:r>
+              <a:rPr lang="uk-UA" dirty="0" err="1"/>
+              <a:t>язання</a:t>
+            </a:r>
+            <a:r>
+              <a:rPr lang="uk-UA" dirty="0"/>
+              <a:t> головоломок</a:t>
+            </a:r>
+          </a:p>
+          <a:p>
+            <a:r>
+              <a:rPr lang="uk-UA" dirty="0"/>
+              <a:t>Таємничий сюжет, який розкривається в ході проходження гри</a:t>
+            </a:r>
+          </a:p>
+          <a:p>
+            <a:r>
+              <a:rPr lang="uk-UA" dirty="0"/>
+              <a:t>Битви з босами</a:t>
+            </a:r>
+          </a:p>
+          <a:p>
+            <a:r>
+              <a:rPr lang="uk-UA" dirty="0"/>
+              <a:t>Уникання монстрів</a:t>
+            </a:r>
+          </a:p>
+          <a:p>
+            <a:r>
+              <a:rPr lang="uk-UA" dirty="0"/>
+              <a:t>Вплив дій гравця на кінцівку гри</a:t>
+            </a:r>
+            <a:endParaRPr lang="en-US" dirty="0"/>
+          </a:p>
+        </p:txBody>
+      </p:sp>
+    </p:spTree>
+    <p:extLst>
+      <p:ext uri="{BB962C8B-B14F-4D97-AF65-F5344CB8AC3E}">
+        <p14:creationId xmlns:p14="http://schemas.microsoft.com/office/powerpoint/2010/main" val="91158260"/>
       </p:ext>
     </p:extLst>
   </p:cSld>
